--- a/2-Java-Programmer-Modulo-II/04.Capitulo01.pptx
+++ b/2-Java-Programmer-Modulo-II/04.Capitulo01.pptx
@@ -14,7 +14,7 @@
     <p:sldId id="266" r:id="rId5"/>
     <p:sldId id="267" r:id="rId6"/>
     <p:sldId id="268" r:id="rId7"/>
-    <p:sldId id="269" r:id="rId8"/>
+    <p:sldId id="274" r:id="rId8"/>
     <p:sldId id="270" r:id="rId9"/>
     <p:sldId id="271" r:id="rId10"/>
     <p:sldId id="272" r:id="rId11"/>
@@ -259,7 +259,7 @@
               <a:pPr>
                 <a:defRPr/>
               </a:pPr>
-              <a:t>24/02/2012</a:t>
+              <a:t>04/04/2012</a:t>
             </a:fld>
             <a:endParaRPr lang="pt-BR"/>
           </a:p>
@@ -2366,7 +2366,7 @@
               <a:pPr>
                 <a:defRPr/>
               </a:pPr>
-              <a:t>24/02/2012</a:t>
+              <a:t>04/04/2012</a:t>
             </a:fld>
             <a:endParaRPr lang="pt-BR"/>
           </a:p>
@@ -2558,7 +2558,7 @@
               <a:pPr>
                 <a:defRPr/>
               </a:pPr>
-              <a:t>24/02/2012</a:t>
+              <a:t>04/04/2012</a:t>
             </a:fld>
             <a:endParaRPr lang="pt-BR"/>
           </a:p>
@@ -2760,7 +2760,7 @@
               <a:pPr>
                 <a:defRPr/>
               </a:pPr>
-              <a:t>24/02/2012</a:t>
+              <a:t>04/04/2012</a:t>
             </a:fld>
             <a:endParaRPr lang="pt-BR"/>
           </a:p>
@@ -2956,7 +2956,7 @@
               <a:pPr>
                 <a:defRPr/>
               </a:pPr>
-              <a:t>24/02/2012</a:t>
+              <a:t>04/04/2012</a:t>
             </a:fld>
             <a:endParaRPr lang="pt-BR"/>
           </a:p>
@@ -3462,7 +3462,7 @@
               <a:pPr>
                 <a:defRPr/>
               </a:pPr>
-              <a:t>24/02/2012</a:t>
+              <a:t>04/04/2012</a:t>
             </a:fld>
             <a:endParaRPr lang="pt-BR"/>
           </a:p>
@@ -3753,7 +3753,7 @@
               <a:pPr>
                 <a:defRPr/>
               </a:pPr>
-              <a:t>24/02/2012</a:t>
+              <a:t>04/04/2012</a:t>
             </a:fld>
             <a:endParaRPr lang="pt-BR"/>
           </a:p>
@@ -4154,7 +4154,7 @@
               <a:pPr>
                 <a:defRPr/>
               </a:pPr>
-              <a:t>24/02/2012</a:t>
+              <a:t>04/04/2012</a:t>
             </a:fld>
             <a:endParaRPr lang="pt-BR"/>
           </a:p>
@@ -4303,7 +4303,7 @@
               <a:pPr>
                 <a:defRPr/>
               </a:pPr>
-              <a:t>24/02/2012</a:t>
+              <a:t>04/04/2012</a:t>
             </a:fld>
             <a:endParaRPr lang="pt-BR"/>
           </a:p>
@@ -4420,7 +4420,7 @@
               <a:pPr>
                 <a:defRPr/>
               </a:pPr>
-              <a:t>24/02/2012</a:t>
+              <a:t>04/04/2012</a:t>
             </a:fld>
             <a:endParaRPr lang="pt-BR"/>
           </a:p>
@@ -4696,7 +4696,7 @@
               <a:pPr>
                 <a:defRPr/>
               </a:pPr>
-              <a:t>24/02/2012</a:t>
+              <a:t>04/04/2012</a:t>
             </a:fld>
             <a:endParaRPr lang="pt-BR"/>
           </a:p>
@@ -4980,7 +4980,7 @@
               <a:pPr>
                 <a:defRPr/>
               </a:pPr>
-              <a:t>24/02/2012</a:t>
+              <a:t>04/04/2012</a:t>
             </a:fld>
             <a:endParaRPr lang="pt-BR"/>
           </a:p>
@@ -5458,7 +5458,7 @@
               <a:pPr>
                 <a:defRPr/>
               </a:pPr>
-              <a:t>24/02/2012</a:t>
+              <a:t>04/04/2012</a:t>
             </a:fld>
             <a:endParaRPr lang="pt-BR"/>
           </a:p>
@@ -6132,7 +6132,6 @@
               <a:rPr lang="pt-BR" dirty="0" smtClean="0"/>
               <a:t>()</a:t>
             </a:r>
-            <a:endParaRPr lang="pt-BR" dirty="0" smtClean="0"/>
           </a:p>
         </p:txBody>
       </p:sp>
@@ -6185,17 +6184,12 @@
             </a:r>
             <a:r>
               <a:rPr lang="pt-BR" sz="2800" dirty="0" err="1" smtClean="0"/>
-              <a:t>enu</a:t>
-            </a:r>
-            <a:r>
-              <a:rPr lang="pt-BR" sz="2800" dirty="0" err="1" smtClean="0"/>
-              <a:t>m</a:t>
+              <a:t>enum</a:t>
             </a:r>
             <a:r>
               <a:rPr lang="pt-BR" sz="2800" dirty="0" smtClean="0"/>
               <a:t>.</a:t>
             </a:r>
-            <a:endParaRPr lang="pt-BR" sz="2800" dirty="0" smtClean="0"/>
           </a:p>
           <a:p>
             <a:pPr marL="442913" lvl="1" indent="6350">
@@ -6218,12 +6212,40 @@
               </a:tabLst>
             </a:pPr>
             <a:r>
+              <a:rPr lang="pt-BR" sz="2200" dirty="0" err="1" smtClean="0"/>
+              <a:t>DiaDaSemana</a:t>
+            </a:r>
+            <a:r>
+              <a:rPr lang="pt-BR" sz="2200" dirty="0" smtClean="0"/>
+              <a:t>[] </a:t>
+            </a:r>
+            <a:r>
               <a:rPr lang="pt-BR" sz="2200" dirty="0" err="1" smtClean="0">
                 <a:solidFill>
                   <a:srgbClr val="FFC000"/>
                 </a:solidFill>
               </a:rPr>
+              <a:t>array</a:t>
+            </a:r>
+            <a:r>
+              <a:rPr lang="pt-BR" sz="2200" dirty="0" smtClean="0"/>
+              <a:t> = </a:t>
+            </a:r>
+            <a:r>
+              <a:rPr lang="pt-BR" sz="2200" dirty="0" err="1" smtClean="0"/>
               <a:t>DiaDaSemana</a:t>
+            </a:r>
+            <a:r>
+              <a:rPr lang="pt-BR" sz="2200" dirty="0" smtClean="0"/>
+              <a:t>.</a:t>
+            </a:r>
+            <a:r>
+              <a:rPr lang="pt-BR" sz="2200" dirty="0" err="1" smtClean="0">
+                <a:solidFill>
+                  <a:srgbClr val="FFC000"/>
+                </a:solidFill>
+              </a:rPr>
+              <a:t>values</a:t>
             </a:r>
             <a:r>
               <a:rPr lang="pt-BR" sz="2200" dirty="0" smtClean="0">
@@ -6231,50 +6253,10 @@
                   <a:srgbClr val="FFC000"/>
                 </a:solidFill>
               </a:rPr>
-              <a:t>[] </a:t>
-            </a:r>
-            <a:r>
-              <a:rPr lang="pt-BR" sz="2200" dirty="0" err="1" smtClean="0"/>
-              <a:t>array</a:t>
-            </a:r>
-            <a:r>
-              <a:rPr lang="pt-BR" sz="2200" dirty="0" smtClean="0">
-                <a:solidFill>
-                  <a:srgbClr val="FFC000"/>
-                </a:solidFill>
-              </a:rPr>
-              <a:t> = </a:t>
-            </a:r>
-            <a:r>
-              <a:rPr lang="pt-BR" sz="2200" dirty="0" err="1" smtClean="0">
-                <a:solidFill>
-                  <a:srgbClr val="FFC000"/>
-                </a:solidFill>
-              </a:rPr>
-              <a:t>DiaDaSemana</a:t>
-            </a:r>
-            <a:r>
-              <a:rPr lang="pt-BR" sz="2200" dirty="0" smtClean="0">
-                <a:solidFill>
-                  <a:srgbClr val="FFC000"/>
-                </a:solidFill>
-              </a:rPr>
-              <a:t>.</a:t>
-            </a:r>
-            <a:r>
-              <a:rPr lang="pt-BR" sz="2200" dirty="0" err="1" smtClean="0"/>
-              <a:t>values</a:t>
+              <a:t>()</a:t>
             </a:r>
             <a:r>
               <a:rPr lang="pt-BR" sz="2200" dirty="0" smtClean="0"/>
-              <a:t>()</a:t>
-            </a:r>
-            <a:r>
-              <a:rPr lang="pt-BR" sz="2200" dirty="0" smtClean="0">
-                <a:solidFill>
-                  <a:srgbClr val="FFC000"/>
-                </a:solidFill>
-              </a:rPr>
               <a:t>;</a:t>
             </a:r>
           </a:p>
@@ -6287,11 +6269,7 @@
                 <a:tab pos="1887538" algn="l"/>
               </a:tabLst>
             </a:pPr>
-            <a:endParaRPr lang="pt-BR" sz="2200" dirty="0" smtClean="0">
-              <a:solidFill>
-                <a:srgbClr val="FFC000"/>
-              </a:solidFill>
-            </a:endParaRPr>
+            <a:endParaRPr lang="pt-BR" sz="2200" dirty="0" smtClean="0"/>
           </a:p>
           <a:p>
             <a:pPr marL="442913" lvl="1" indent="6350">
@@ -6303,12 +6281,32 @@
               </a:tabLst>
             </a:pPr>
             <a:r>
+              <a:rPr lang="pt-BR" sz="2200" dirty="0" smtClean="0"/>
+              <a:t>for (</a:t>
+            </a:r>
+            <a:r>
+              <a:rPr lang="pt-BR" sz="2200" dirty="0" err="1" smtClean="0"/>
+              <a:t>int</a:t>
+            </a:r>
+            <a:r>
+              <a:rPr lang="pt-BR" sz="2200" dirty="0" smtClean="0"/>
+              <a:t> i = 0; i &lt; </a:t>
+            </a:r>
+            <a:r>
+              <a:rPr lang="pt-BR" sz="2200" dirty="0" err="1" smtClean="0">
+                <a:solidFill>
+                  <a:srgbClr val="FFC000"/>
+                </a:solidFill>
+              </a:rPr>
+              <a:t>array</a:t>
+            </a:r>
+            <a:r>
               <a:rPr lang="pt-BR" sz="2200" dirty="0" smtClean="0">
                 <a:solidFill>
                   <a:srgbClr val="FFC000"/>
                 </a:solidFill>
               </a:rPr>
-              <a:t>for (</a:t>
+              <a:t>.</a:t>
             </a:r>
             <a:r>
               <a:rPr lang="pt-BR" sz="2200" dirty="0" err="1" smtClean="0">
@@ -6316,34 +6314,10 @@
                   <a:srgbClr val="FFC000"/>
                 </a:solidFill>
               </a:rPr>
-              <a:t>int</a:t>
-            </a:r>
-            <a:r>
-              <a:rPr lang="pt-BR" sz="2200" dirty="0" smtClean="0">
-                <a:solidFill>
-                  <a:srgbClr val="FFC000"/>
-                </a:solidFill>
-              </a:rPr>
-              <a:t> i = 0; i &lt; </a:t>
-            </a:r>
-            <a:r>
-              <a:rPr lang="pt-BR" sz="2200" dirty="0" err="1" smtClean="0"/>
-              <a:t>array</a:t>
+              <a:t>length</a:t>
             </a:r>
             <a:r>
               <a:rPr lang="pt-BR" sz="2200" dirty="0" smtClean="0"/>
-              <a:t>.</a:t>
-            </a:r>
-            <a:r>
-              <a:rPr lang="pt-BR" sz="2200" dirty="0" err="1" smtClean="0"/>
-              <a:t>length</a:t>
-            </a:r>
-            <a:r>
-              <a:rPr lang="pt-BR" sz="2200" dirty="0" smtClean="0">
-                <a:solidFill>
-                  <a:srgbClr val="FFC000"/>
-                </a:solidFill>
-              </a:rPr>
               <a:t>; i++) {</a:t>
             </a:r>
           </a:p>
@@ -6357,12 +6331,40 @@
               </a:tabLst>
             </a:pPr>
             <a:r>
+              <a:rPr lang="pt-BR" sz="2200" dirty="0" smtClean="0"/>
+              <a:t>	System.</a:t>
+            </a:r>
+            <a:r>
+              <a:rPr lang="pt-BR" sz="2200" dirty="0" err="1" smtClean="0"/>
+              <a:t>out.println</a:t>
+            </a:r>
+            <a:r>
+              <a:rPr lang="pt-BR" sz="2200" dirty="0" smtClean="0"/>
+              <a:t>(</a:t>
+            </a:r>
+            <a:r>
+              <a:rPr lang="pt-BR" sz="2200" dirty="0" err="1" smtClean="0">
+                <a:solidFill>
+                  <a:srgbClr val="FFC000"/>
+                </a:solidFill>
+              </a:rPr>
+              <a:t>array</a:t>
+            </a:r>
+            <a:r>
               <a:rPr lang="pt-BR" sz="2200" dirty="0" smtClean="0">
                 <a:solidFill>
                   <a:srgbClr val="FFC000"/>
                 </a:solidFill>
               </a:rPr>
-              <a:t>	</a:t>
+              <a:t>[i].</a:t>
+            </a:r>
+            <a:r>
+              <a:rPr lang="pt-BR" sz="2200" dirty="0" err="1" smtClean="0">
+                <a:solidFill>
+                  <a:srgbClr val="FFC000"/>
+                </a:solidFill>
+              </a:rPr>
+              <a:t>getNome</a:t>
             </a:r>
             <a:r>
               <a:rPr lang="pt-BR" sz="2200" dirty="0" smtClean="0">
@@ -6370,53 +6372,12 @@
                   <a:srgbClr val="FFC000"/>
                 </a:solidFill>
               </a:rPr>
-              <a:t>System.</a:t>
-            </a:r>
-            <a:r>
-              <a:rPr lang="pt-BR" sz="2200" dirty="0" err="1" smtClean="0">
-                <a:solidFill>
-                  <a:srgbClr val="FFC000"/>
-                </a:solidFill>
-              </a:rPr>
-              <a:t>out.println</a:t>
-            </a:r>
-            <a:r>
-              <a:rPr lang="pt-BR" sz="2200" dirty="0" smtClean="0">
-                <a:solidFill>
-                  <a:srgbClr val="FFC000"/>
-                </a:solidFill>
-              </a:rPr>
-              <a:t>(</a:t>
-            </a:r>
-            <a:r>
-              <a:rPr lang="pt-BR" sz="2200" dirty="0" err="1" smtClean="0"/>
-              <a:t>array</a:t>
+              <a:t>()</a:t>
             </a:r>
             <a:r>
               <a:rPr lang="pt-BR" sz="2200" dirty="0" smtClean="0"/>
-              <a:t>[i].</a:t>
-            </a:r>
-            <a:r>
-              <a:rPr lang="pt-BR" sz="2200" dirty="0" err="1" smtClean="0"/>
-              <a:t>getNome</a:t>
-            </a:r>
-            <a:r>
-              <a:rPr lang="pt-BR" sz="2200" dirty="0" smtClean="0"/>
-              <a:t>()</a:t>
-            </a:r>
-            <a:r>
-              <a:rPr lang="pt-BR" sz="2200" dirty="0" smtClean="0">
-                <a:solidFill>
-                  <a:srgbClr val="FFC000"/>
-                </a:solidFill>
-              </a:rPr>
               <a:t>);</a:t>
             </a:r>
-            <a:endParaRPr lang="pt-BR" sz="2200" dirty="0" smtClean="0">
-              <a:solidFill>
-                <a:srgbClr val="FFC000"/>
-              </a:solidFill>
-            </a:endParaRPr>
           </a:p>
           <a:p>
             <a:pPr marL="442913" lvl="1" indent="6350">
@@ -6428,18 +6389,9 @@
               </a:tabLst>
             </a:pPr>
             <a:r>
-              <a:rPr lang="pt-BR" sz="2200" dirty="0" smtClean="0">
-                <a:solidFill>
-                  <a:srgbClr val="FFC000"/>
-                </a:solidFill>
-              </a:rPr>
+              <a:rPr lang="pt-BR" sz="2200" dirty="0" smtClean="0"/>
               <a:t>}</a:t>
             </a:r>
-            <a:endParaRPr lang="pt-BR" sz="2200" dirty="0" smtClean="0">
-              <a:solidFill>
-                <a:srgbClr val="FFC000"/>
-              </a:solidFill>
-            </a:endParaRPr>
           </a:p>
         </p:txBody>
       </p:sp>
@@ -6524,7 +6476,6 @@
               <a:rPr lang="pt-BR" dirty="0" smtClean="0"/>
               <a:t>Exercício</a:t>
             </a:r>
-            <a:endParaRPr lang="pt-BR" dirty="0" smtClean="0"/>
           </a:p>
         </p:txBody>
       </p:sp>
@@ -6641,7 +6592,6 @@
               <a:rPr lang="pt-BR" sz="2400" dirty="0" smtClean="0"/>
               <a:t>, exibindo seu nome e capital.</a:t>
             </a:r>
-            <a:endParaRPr lang="pt-BR" sz="2400" dirty="0" smtClean="0"/>
           </a:p>
         </p:txBody>
       </p:sp>
@@ -7018,12 +6968,42 @@
               <a:buNone/>
             </a:pPr>
             <a:r>
+              <a:rPr lang="pt-BR" sz="2000" dirty="0" err="1" smtClean="0"/>
+              <a:t>public</a:t>
+            </a:r>
+            <a:r>
+              <a:rPr lang="pt-BR" sz="2000" dirty="0" smtClean="0"/>
+              <a:t> </a:t>
+            </a:r>
+            <a:r>
+              <a:rPr lang="pt-BR" sz="2000" b="1" u="sng" dirty="0" err="1" smtClean="0"/>
+              <a:t>enum</a:t>
+            </a:r>
+            <a:r>
+              <a:rPr lang="pt-BR" sz="2000" dirty="0" smtClean="0"/>
+              <a:t> </a:t>
+            </a:r>
+            <a:r>
               <a:rPr lang="pt-BR" sz="2000" dirty="0" err="1" smtClean="0">
                 <a:solidFill>
                   <a:srgbClr val="FFC000"/>
                 </a:solidFill>
               </a:rPr>
-              <a:t>public</a:t>
+              <a:t>DiaDaSemana</a:t>
+            </a:r>
+            <a:r>
+              <a:rPr lang="pt-BR" sz="2000" dirty="0" smtClean="0"/>
+              <a:t> {</a:t>
+            </a:r>
+          </a:p>
+          <a:p>
+            <a:pPr marL="0" indent="0" eaLnBrk="1" hangingPunct="1">
+              <a:buFont typeface="Wingdings 2" pitchFamily="18" charset="2"/>
+              <a:buNone/>
+            </a:pPr>
+            <a:r>
+              <a:rPr lang="pt-BR" sz="2000" dirty="0" smtClean="0"/>
+              <a:t>	</a:t>
             </a:r>
             <a:r>
               <a:rPr lang="pt-BR" sz="2000" dirty="0" smtClean="0">
@@ -7031,15 +7011,21 @@
                   <a:srgbClr val="FFC000"/>
                 </a:solidFill>
               </a:rPr>
-              <a:t> </a:t>
-            </a:r>
-            <a:r>
-              <a:rPr lang="pt-BR" sz="2000" b="1" u="sng" dirty="0" err="1" smtClean="0">
-                <a:solidFill>
-                  <a:srgbClr val="FFC000"/>
-                </a:solidFill>
-              </a:rPr>
-              <a:t>enum</a:t>
+              <a:t>SEGUNDA</a:t>
+            </a:r>
+            <a:r>
+              <a:rPr lang="pt-BR" sz="2000" dirty="0" smtClean="0"/>
+              <a:t>,</a:t>
+            </a:r>
+          </a:p>
+          <a:p>
+            <a:pPr marL="0" indent="0" eaLnBrk="1" hangingPunct="1">
+              <a:buFont typeface="Wingdings 2" pitchFamily="18" charset="2"/>
+              <a:buNone/>
+            </a:pPr>
+            <a:r>
+              <a:rPr lang="pt-BR" sz="2000" dirty="0" smtClean="0"/>
+              <a:t>	</a:t>
             </a:r>
             <a:r>
               <a:rPr lang="pt-BR" sz="2000" dirty="0" smtClean="0">
@@ -7047,11 +7033,21 @@
                   <a:srgbClr val="FFC000"/>
                 </a:solidFill>
               </a:rPr>
-              <a:t> </a:t>
-            </a:r>
-            <a:r>
-              <a:rPr lang="pt-BR" sz="2000" dirty="0" err="1" smtClean="0"/>
-              <a:t>DiaDaSemana</a:t>
+              <a:t>TERCA</a:t>
+            </a:r>
+            <a:r>
+              <a:rPr lang="pt-BR" sz="2000" dirty="0" smtClean="0"/>
+              <a:t>,</a:t>
+            </a:r>
+          </a:p>
+          <a:p>
+            <a:pPr marL="0" indent="0" eaLnBrk="1" hangingPunct="1">
+              <a:buFont typeface="Wingdings 2" pitchFamily="18" charset="2"/>
+              <a:buNone/>
+            </a:pPr>
+            <a:r>
+              <a:rPr lang="pt-BR" sz="2000" dirty="0" smtClean="0"/>
+              <a:t>	</a:t>
             </a:r>
             <a:r>
               <a:rPr lang="pt-BR" sz="2000" dirty="0" smtClean="0">
@@ -7059,7 +7055,11 @@
                   <a:srgbClr val="FFC000"/>
                 </a:solidFill>
               </a:rPr>
-              <a:t> {</a:t>
+              <a:t>QUARTA</a:t>
+            </a:r>
+            <a:r>
+              <a:rPr lang="pt-BR" sz="2000" dirty="0" smtClean="0"/>
+              <a:t>,</a:t>
             </a:r>
           </a:p>
           <a:p>
@@ -7067,17 +7067,31 @@
               <a:buFont typeface="Wingdings 2" pitchFamily="18" charset="2"/>
               <a:buNone/>
             </a:pPr>
+            <a:r>
+              <a:rPr lang="pt-BR" sz="2000" dirty="0" smtClean="0"/>
+              <a:t>	</a:t>
+            </a:r>
             <a:r>
               <a:rPr lang="pt-BR" sz="2000" dirty="0" smtClean="0">
                 <a:solidFill>
                   <a:srgbClr val="FFC000"/>
                 </a:solidFill>
               </a:rPr>
+              <a:t>QUINTA</a:t>
+            </a:r>
+            <a:r>
+              <a:rPr lang="pt-BR" sz="2000" dirty="0" smtClean="0"/>
+              <a:t>,</a:t>
+            </a:r>
+          </a:p>
+          <a:p>
+            <a:pPr marL="0" indent="0" eaLnBrk="1" hangingPunct="1">
+              <a:buFont typeface="Wingdings 2" pitchFamily="18" charset="2"/>
+              <a:buNone/>
+            </a:pPr>
+            <a:r>
+              <a:rPr lang="pt-BR" sz="2000" dirty="0" smtClean="0"/>
               <a:t>	</a:t>
-            </a:r>
-            <a:r>
-              <a:rPr lang="pt-BR" sz="2000" dirty="0" smtClean="0"/>
-              <a:t>SEGUNDA</a:t>
             </a:r>
             <a:r>
               <a:rPr lang="pt-BR" sz="2000" dirty="0" smtClean="0">
@@ -7085,6 +7099,10 @@
                   <a:srgbClr val="FFC000"/>
                 </a:solidFill>
               </a:rPr>
+              <a:t>SEXTA</a:t>
+            </a:r>
+            <a:r>
+              <a:rPr lang="pt-BR" sz="2000" dirty="0" smtClean="0"/>
               <a:t>,</a:t>
             </a:r>
           </a:p>
@@ -7093,17 +7111,31 @@
               <a:buFont typeface="Wingdings 2" pitchFamily="18" charset="2"/>
               <a:buNone/>
             </a:pPr>
+            <a:r>
+              <a:rPr lang="pt-BR" sz="2000" dirty="0" smtClean="0"/>
+              <a:t>	</a:t>
+            </a:r>
             <a:r>
               <a:rPr lang="pt-BR" sz="2000" dirty="0" smtClean="0">
                 <a:solidFill>
                   <a:srgbClr val="FFC000"/>
                 </a:solidFill>
               </a:rPr>
+              <a:t>SABADO</a:t>
+            </a:r>
+            <a:r>
+              <a:rPr lang="pt-BR" sz="2000" dirty="0" smtClean="0"/>
+              <a:t>,</a:t>
+            </a:r>
+          </a:p>
+          <a:p>
+            <a:pPr marL="0" indent="0" eaLnBrk="1" hangingPunct="1">
+              <a:buFont typeface="Wingdings 2" pitchFamily="18" charset="2"/>
+              <a:buNone/>
+            </a:pPr>
+            <a:r>
+              <a:rPr lang="pt-BR" sz="2000" dirty="0" smtClean="0"/>
               <a:t>	</a:t>
-            </a:r>
-            <a:r>
-              <a:rPr lang="pt-BR" sz="2000" dirty="0" smtClean="0"/>
-              <a:t>TERCA</a:t>
             </a:r>
             <a:r>
               <a:rPr lang="pt-BR" sz="2000" dirty="0" smtClean="0">
@@ -7111,7 +7143,11 @@
                   <a:srgbClr val="FFC000"/>
                 </a:solidFill>
               </a:rPr>
-              <a:t>,</a:t>
+              <a:t>DOMINGO</a:t>
+            </a:r>
+            <a:r>
+              <a:rPr lang="pt-BR" sz="2000" dirty="0" smtClean="0"/>
+              <a:t>;</a:t>
             </a:r>
           </a:p>
           <a:p>
@@ -7120,141 +7156,7 @@
               <a:buNone/>
             </a:pPr>
             <a:r>
-              <a:rPr lang="pt-BR" sz="2000" dirty="0" smtClean="0">
-                <a:solidFill>
-                  <a:srgbClr val="FFC000"/>
-                </a:solidFill>
-              </a:rPr>
-              <a:t>	</a:t>
-            </a:r>
-            <a:r>
               <a:rPr lang="pt-BR" sz="2000" dirty="0" smtClean="0"/>
-              <a:t>QUARTA</a:t>
-            </a:r>
-            <a:r>
-              <a:rPr lang="pt-BR" sz="2000" dirty="0" smtClean="0">
-                <a:solidFill>
-                  <a:srgbClr val="FFC000"/>
-                </a:solidFill>
-              </a:rPr>
-              <a:t>,</a:t>
-            </a:r>
-          </a:p>
-          <a:p>
-            <a:pPr marL="0" indent="0" eaLnBrk="1" hangingPunct="1">
-              <a:buFont typeface="Wingdings 2" pitchFamily="18" charset="2"/>
-              <a:buNone/>
-            </a:pPr>
-            <a:r>
-              <a:rPr lang="pt-BR" sz="2000" dirty="0" smtClean="0">
-                <a:solidFill>
-                  <a:srgbClr val="FFC000"/>
-                </a:solidFill>
-              </a:rPr>
-              <a:t>	</a:t>
-            </a:r>
-            <a:r>
-              <a:rPr lang="pt-BR" sz="2000" dirty="0" smtClean="0"/>
-              <a:t>QUINTA</a:t>
-            </a:r>
-            <a:r>
-              <a:rPr lang="pt-BR" sz="2000" dirty="0" smtClean="0">
-                <a:solidFill>
-                  <a:srgbClr val="FFC000"/>
-                </a:solidFill>
-              </a:rPr>
-              <a:t>,</a:t>
-            </a:r>
-          </a:p>
-          <a:p>
-            <a:pPr marL="0" indent="0" eaLnBrk="1" hangingPunct="1">
-              <a:buFont typeface="Wingdings 2" pitchFamily="18" charset="2"/>
-              <a:buNone/>
-            </a:pPr>
-            <a:r>
-              <a:rPr lang="pt-BR" sz="2000" dirty="0" smtClean="0">
-                <a:solidFill>
-                  <a:srgbClr val="FFC000"/>
-                </a:solidFill>
-              </a:rPr>
-              <a:t>	</a:t>
-            </a:r>
-            <a:r>
-              <a:rPr lang="pt-BR" sz="2000" dirty="0" smtClean="0"/>
-              <a:t>SEXTA</a:t>
-            </a:r>
-            <a:r>
-              <a:rPr lang="pt-BR" sz="2000" dirty="0" smtClean="0">
-                <a:solidFill>
-                  <a:srgbClr val="FFC000"/>
-                </a:solidFill>
-              </a:rPr>
-              <a:t>,</a:t>
-            </a:r>
-          </a:p>
-          <a:p>
-            <a:pPr marL="0" indent="0" eaLnBrk="1" hangingPunct="1">
-              <a:buFont typeface="Wingdings 2" pitchFamily="18" charset="2"/>
-              <a:buNone/>
-            </a:pPr>
-            <a:r>
-              <a:rPr lang="pt-BR" sz="2000" dirty="0" smtClean="0">
-                <a:solidFill>
-                  <a:srgbClr val="FFC000"/>
-                </a:solidFill>
-              </a:rPr>
-              <a:t>	</a:t>
-            </a:r>
-            <a:r>
-              <a:rPr lang="pt-BR" sz="2000" dirty="0" smtClean="0"/>
-              <a:t>SABADO</a:t>
-            </a:r>
-            <a:r>
-              <a:rPr lang="pt-BR" sz="2000" dirty="0" smtClean="0">
-                <a:solidFill>
-                  <a:srgbClr val="FFC000"/>
-                </a:solidFill>
-              </a:rPr>
-              <a:t>,</a:t>
-            </a:r>
-          </a:p>
-          <a:p>
-            <a:pPr marL="0" indent="0" eaLnBrk="1" hangingPunct="1">
-              <a:buFont typeface="Wingdings 2" pitchFamily="18" charset="2"/>
-              <a:buNone/>
-            </a:pPr>
-            <a:r>
-              <a:rPr lang="pt-BR" sz="2000" dirty="0" smtClean="0">
-                <a:solidFill>
-                  <a:srgbClr val="FFC000"/>
-                </a:solidFill>
-              </a:rPr>
-              <a:t>	</a:t>
-            </a:r>
-            <a:r>
-              <a:rPr lang="pt-BR" sz="2000" dirty="0" smtClean="0"/>
-              <a:t>DOMINGO</a:t>
-            </a:r>
-            <a:r>
-              <a:rPr lang="pt-BR" sz="2000" dirty="0" smtClean="0">
-                <a:solidFill>
-                  <a:srgbClr val="FFC000"/>
-                </a:solidFill>
-              </a:rPr>
-              <a:t>;</a:t>
-            </a:r>
-          </a:p>
-          <a:p>
-            <a:pPr marL="0" indent="0" eaLnBrk="1" hangingPunct="1">
-              <a:buFont typeface="Wingdings 2" pitchFamily="18" charset="2"/>
-              <a:buNone/>
-            </a:pPr>
-            <a:r>
-              <a:rPr lang="pt-BR" sz="2000" dirty="0" smtClean="0">
-                <a:solidFill>
-                  <a:srgbClr val="FFC000"/>
-                </a:solidFill>
-              </a:rPr>
               <a:t>}</a:t>
             </a:r>
           </a:p>
@@ -7381,12 +7283,24 @@
               <a:buNone/>
             </a:pPr>
             <a:r>
-              <a:rPr lang="pt-BR" sz="2400" dirty="0" err="1" smtClean="0"/>
+              <a:rPr lang="pt-BR" sz="2400" dirty="0" err="1" smtClean="0">
+                <a:solidFill>
+                  <a:srgbClr val="FFC000"/>
+                </a:solidFill>
+              </a:rPr>
               <a:t>DiaDaSemana</a:t>
             </a:r>
             <a:r>
               <a:rPr lang="pt-BR" sz="2400" dirty="0" smtClean="0"/>
-              <a:t> </a:t>
+              <a:t> dia1 = </a:t>
+            </a:r>
+            <a:r>
+              <a:rPr lang="pt-BR" sz="2400" dirty="0" err="1" smtClean="0">
+                <a:solidFill>
+                  <a:srgbClr val="FFC000"/>
+                </a:solidFill>
+              </a:rPr>
+              <a:t>new</a:t>
             </a:r>
             <a:r>
               <a:rPr lang="pt-BR" sz="2400" dirty="0" smtClean="0">
@@ -7394,27 +7308,27 @@
                   <a:srgbClr val="FFC000"/>
                 </a:solidFill>
               </a:rPr>
-              <a:t>dia1</a:t>
+              <a:t> </a:t>
+            </a:r>
+            <a:r>
+              <a:rPr lang="pt-BR" sz="2400" dirty="0" err="1" smtClean="0">
+                <a:solidFill>
+                  <a:srgbClr val="FFC000"/>
+                </a:solidFill>
+              </a:rPr>
+              <a:t>DiaDaSemana</a:t>
+            </a:r>
+            <a:r>
+              <a:rPr lang="pt-BR" sz="2400" dirty="0" smtClean="0">
+                <a:solidFill>
+                  <a:srgbClr val="FFC000"/>
+                </a:solidFill>
+              </a:rPr>
+              <a:t>()</a:t>
             </a:r>
             <a:r>
               <a:rPr lang="pt-BR" sz="2400" dirty="0" smtClean="0"/>
-              <a:t> = </a:t>
-            </a:r>
-            <a:r>
-              <a:rPr lang="pt-BR" sz="2400" dirty="0" err="1" smtClean="0"/>
-              <a:t>new</a:t>
-            </a:r>
-            <a:r>
-              <a:rPr lang="pt-BR" sz="2400" dirty="0" smtClean="0"/>
-              <a:t> </a:t>
-            </a:r>
-            <a:r>
-              <a:rPr lang="pt-BR" sz="2400" dirty="0" err="1" smtClean="0"/>
-              <a:t>DiaDaSemana</a:t>
-            </a:r>
-            <a:r>
-              <a:rPr lang="pt-BR" sz="2400" dirty="0" smtClean="0"/>
-              <a:t>();</a:t>
+              <a:t>;</a:t>
             </a:r>
           </a:p>
           <a:p>
@@ -7426,12 +7340,24 @@
               <a:buNone/>
             </a:pPr>
             <a:r>
-              <a:rPr lang="pt-BR" sz="2400" dirty="0" err="1" smtClean="0"/>
+              <a:rPr lang="pt-BR" sz="2400" dirty="0" err="1" smtClean="0">
+                <a:solidFill>
+                  <a:srgbClr val="FFC000"/>
+                </a:solidFill>
+              </a:rPr>
               <a:t>DiaDaSemana</a:t>
             </a:r>
             <a:r>
               <a:rPr lang="pt-BR" sz="2400" dirty="0" smtClean="0"/>
-              <a:t> </a:t>
+              <a:t> dia1 = </a:t>
+            </a:r>
+            <a:r>
+              <a:rPr lang="pt-BR" sz="2400" dirty="0" err="1" smtClean="0">
+                <a:solidFill>
+                  <a:srgbClr val="FFC000"/>
+                </a:solidFill>
+              </a:rPr>
+              <a:t>DiaDaSemana</a:t>
             </a:r>
             <a:r>
               <a:rPr lang="pt-BR" sz="2400" dirty="0" smtClean="0">
@@ -7439,19 +7365,39 @@
                   <a:srgbClr val="FFC000"/>
                 </a:solidFill>
               </a:rPr>
-              <a:t>dia1</a:t>
+              <a:t>.QUARTA</a:t>
             </a:r>
             <a:r>
               <a:rPr lang="pt-BR" sz="2400" dirty="0" smtClean="0"/>
-              <a:t> = </a:t>
-            </a:r>
-            <a:r>
-              <a:rPr lang="pt-BR" sz="2400" dirty="0" err="1" smtClean="0"/>
+              <a:t>;</a:t>
+            </a:r>
+          </a:p>
+          <a:p>
+            <a:pPr lvl="1">
+              <a:lnSpc>
+                <a:spcPct val="150000"/>
+              </a:lnSpc>
+              <a:buNone/>
+            </a:pPr>
+            <a:r>
+              <a:rPr lang="pt-BR" sz="2400" dirty="0" err="1" smtClean="0">
+                <a:solidFill>
+                  <a:srgbClr val="FFC000"/>
+                </a:solidFill>
+              </a:rPr>
               <a:t>DiaDaSemana</a:t>
             </a:r>
             <a:r>
               <a:rPr lang="pt-BR" sz="2400" dirty="0" smtClean="0"/>
-              <a:t>.QUARTA</a:t>
+              <a:t> dia2 = </a:t>
+            </a:r>
+            <a:r>
+              <a:rPr lang="pt-BR" sz="2400" dirty="0" err="1" smtClean="0">
+                <a:solidFill>
+                  <a:srgbClr val="FFC000"/>
+                </a:solidFill>
+              </a:rPr>
+              <a:t>DiaDaSemana</a:t>
             </a:r>
             <a:r>
               <a:rPr lang="pt-BR" sz="2400" dirty="0" smtClean="0">
@@ -7459,50 +7405,10 @@
                   <a:srgbClr val="FFC000"/>
                 </a:solidFill>
               </a:rPr>
-              <a:t>;</a:t>
-            </a:r>
-          </a:p>
-          <a:p>
-            <a:pPr lvl="1">
-              <a:lnSpc>
-                <a:spcPct val="150000"/>
-              </a:lnSpc>
-              <a:buNone/>
-            </a:pPr>
-            <a:r>
-              <a:rPr lang="pt-BR" sz="2400" dirty="0" err="1" smtClean="0"/>
-              <a:t>DiaDaSemana</a:t>
+              <a:t>.SABADO</a:t>
             </a:r>
             <a:r>
               <a:rPr lang="pt-BR" sz="2400" dirty="0" smtClean="0"/>
-              <a:t> </a:t>
-            </a:r>
-            <a:r>
-              <a:rPr lang="pt-BR" sz="2400" dirty="0" smtClean="0">
-                <a:solidFill>
-                  <a:srgbClr val="FFC000"/>
-                </a:solidFill>
-              </a:rPr>
-              <a:t>dia2</a:t>
-            </a:r>
-            <a:r>
-              <a:rPr lang="pt-BR" sz="2400" dirty="0" smtClean="0"/>
-              <a:t> = </a:t>
-            </a:r>
-            <a:r>
-              <a:rPr lang="pt-BR" sz="2400" dirty="0" err="1" smtClean="0"/>
-              <a:t>DiaDaSemana</a:t>
-            </a:r>
-            <a:r>
-              <a:rPr lang="pt-BR" sz="2400" dirty="0" smtClean="0"/>
-              <a:t>.SABADO</a:t>
-            </a:r>
-            <a:r>
-              <a:rPr lang="pt-BR" sz="2400" dirty="0" smtClean="0">
-                <a:solidFill>
-                  <a:srgbClr val="FFC000"/>
-                </a:solidFill>
-              </a:rPr>
               <a:t>;</a:t>
             </a:r>
           </a:p>
@@ -7562,7 +7468,7 @@
           <a:noFill/>
           <a:ln w="9525">
             <a:solidFill>
-              <a:srgbClr val="FFC000"/>
+              <a:schemeClr val="tx1"/>
             </a:solidFill>
             <a:miter lim="800000"/>
             <a:headEnd/>
@@ -8083,12 +7989,41 @@
               <a:buNone/>
             </a:pPr>
             <a:r>
+              <a:rPr lang="pt-BR" sz="2000" dirty="0" err="1" smtClean="0"/>
+              <a:t>public</a:t>
+            </a:r>
+            <a:r>
+              <a:rPr lang="pt-BR" sz="2000" dirty="0" smtClean="0"/>
+              <a:t> </a:t>
+            </a:r>
+            <a:r>
+              <a:rPr lang="pt-BR" sz="2000" b="1" u="sng" dirty="0" err="1" smtClean="0"/>
+              <a:t>enum</a:t>
+            </a:r>
+            <a:r>
+              <a:rPr lang="pt-BR" sz="2000" dirty="0" smtClean="0"/>
+              <a:t> </a:t>
+            </a:r>
+            <a:r>
               <a:rPr lang="pt-BR" sz="2000" dirty="0" err="1" smtClean="0">
                 <a:solidFill>
                   <a:srgbClr val="FFC000"/>
                 </a:solidFill>
               </a:rPr>
-              <a:t>public</a:t>
+              <a:t>DiaDaSemana</a:t>
+            </a:r>
+            <a:r>
+              <a:rPr lang="pt-BR" sz="2000" dirty="0" smtClean="0"/>
+              <a:t> {</a:t>
+            </a:r>
+          </a:p>
+          <a:p>
+            <a:pPr marL="0" indent="0" eaLnBrk="1" hangingPunct="1">
+              <a:buNone/>
+            </a:pPr>
+            <a:r>
+              <a:rPr lang="pt-BR" sz="2000" dirty="0" smtClean="0"/>
+              <a:t>	</a:t>
             </a:r>
             <a:r>
               <a:rPr lang="pt-BR" sz="2000" dirty="0" smtClean="0">
@@ -8096,15 +8031,20 @@
                   <a:srgbClr val="FFC000"/>
                 </a:solidFill>
               </a:rPr>
-              <a:t> </a:t>
-            </a:r>
-            <a:r>
-              <a:rPr lang="pt-BR" sz="2000" b="1" u="sng" dirty="0" err="1" smtClean="0">
-                <a:solidFill>
-                  <a:srgbClr val="FFC000"/>
-                </a:solidFill>
-              </a:rPr>
-              <a:t>enum</a:t>
+              <a:t>SEGUNDA</a:t>
+            </a:r>
+            <a:r>
+              <a:rPr lang="pt-BR" sz="2000" dirty="0" smtClean="0"/>
+              <a:t>,</a:t>
+            </a:r>
+          </a:p>
+          <a:p>
+            <a:pPr marL="0" indent="0" eaLnBrk="1" hangingPunct="1">
+              <a:buNone/>
+            </a:pPr>
+            <a:r>
+              <a:rPr lang="pt-BR" sz="2000" dirty="0" smtClean="0"/>
+              <a:t>	</a:t>
             </a:r>
             <a:r>
               <a:rPr lang="pt-BR" sz="2000" dirty="0" smtClean="0">
@@ -8112,11 +8052,20 @@
                   <a:srgbClr val="FFC000"/>
                 </a:solidFill>
               </a:rPr>
-              <a:t> </a:t>
-            </a:r>
-            <a:r>
-              <a:rPr lang="pt-BR" sz="2000" dirty="0" err="1" smtClean="0"/>
-              <a:t>DiaDaSemana</a:t>
+              <a:t>...</a:t>
+            </a:r>
+            <a:r>
+              <a:rPr lang="pt-BR" sz="2000" dirty="0" smtClean="0"/>
+              <a:t>,</a:t>
+            </a:r>
+          </a:p>
+          <a:p>
+            <a:pPr marL="0" indent="0" eaLnBrk="1" hangingPunct="1">
+              <a:buNone/>
+            </a:pPr>
+            <a:r>
+              <a:rPr lang="pt-BR" sz="2000" dirty="0" smtClean="0"/>
+              <a:t>	</a:t>
             </a:r>
             <a:r>
               <a:rPr lang="pt-BR" sz="2000" dirty="0" smtClean="0">
@@ -8124,24 +8073,71 @@
                   <a:srgbClr val="FFC000"/>
                 </a:solidFill>
               </a:rPr>
-              <a:t> {</a:t>
+              <a:t>DOMINGO</a:t>
+            </a:r>
+            <a:r>
+              <a:rPr lang="pt-BR" sz="2000" dirty="0" smtClean="0"/>
+              <a:t>;</a:t>
             </a:r>
           </a:p>
           <a:p>
             <a:pPr marL="0" indent="0" eaLnBrk="1" hangingPunct="1">
               <a:buNone/>
             </a:pPr>
+            <a:endParaRPr lang="pt-BR" sz="2000" dirty="0" smtClean="0"/>
+          </a:p>
+          <a:p>
+            <a:pPr marL="0" indent="0" eaLnBrk="1" hangingPunct="1">
+              <a:buNone/>
+            </a:pPr>
+            <a:r>
+              <a:rPr lang="pt-BR" sz="2000" dirty="0" smtClean="0"/>
+              <a:t>	</a:t>
+            </a:r>
+            <a:r>
+              <a:rPr lang="pt-BR" sz="2000" dirty="0" err="1" smtClean="0"/>
+              <a:t>private</a:t>
+            </a:r>
+            <a:r>
+              <a:rPr lang="pt-BR" sz="2000" dirty="0" smtClean="0"/>
+              <a:t> </a:t>
+            </a:r>
+            <a:r>
+              <a:rPr lang="pt-BR" sz="2000" dirty="0" err="1" smtClean="0"/>
+              <a:t>int</a:t>
+            </a:r>
+            <a:r>
+              <a:rPr lang="pt-BR" sz="2000" dirty="0" smtClean="0"/>
+              <a:t> </a:t>
+            </a:r>
             <a:r>
               <a:rPr lang="pt-BR" sz="2000" dirty="0" smtClean="0">
                 <a:solidFill>
                   <a:srgbClr val="FFC000"/>
                 </a:solidFill>
               </a:rPr>
+              <a:t>numero</a:t>
+            </a:r>
+            <a:r>
+              <a:rPr lang="pt-BR" sz="2000" dirty="0" smtClean="0"/>
+              <a:t>;</a:t>
+            </a:r>
+          </a:p>
+          <a:p>
+            <a:pPr marL="0" indent="0" eaLnBrk="1" hangingPunct="1">
+              <a:buNone/>
+            </a:pPr>
+            <a:r>
+              <a:rPr lang="pt-BR" sz="2000" dirty="0" smtClean="0"/>
               <a:t>	</a:t>
             </a:r>
             <a:r>
+              <a:rPr lang="pt-BR" sz="2000" dirty="0" err="1" smtClean="0"/>
+              <a:t>private</a:t>
+            </a:r>
+            <a:r>
               <a:rPr lang="pt-BR" sz="2000" dirty="0" smtClean="0"/>
-              <a:t>SEGUNDA</a:t>
+              <a:t> String </a:t>
             </a:r>
             <a:r>
               <a:rPr lang="pt-BR" sz="2000" dirty="0" smtClean="0">
@@ -8149,32 +8145,62 @@
                   <a:srgbClr val="FFC000"/>
                 </a:solidFill>
               </a:rPr>
-              <a:t>,</a:t>
+              <a:t>nome</a:t>
+            </a:r>
+            <a:r>
+              <a:rPr lang="pt-BR" sz="2000" dirty="0" smtClean="0"/>
+              <a:t>;</a:t>
             </a:r>
           </a:p>
           <a:p>
             <a:pPr marL="0" indent="0" eaLnBrk="1" hangingPunct="1">
               <a:buNone/>
             </a:pPr>
+            <a:endParaRPr lang="pt-BR" sz="2000" dirty="0" smtClean="0"/>
+          </a:p>
+          <a:p>
+            <a:pPr marL="0" indent="0" eaLnBrk="1" hangingPunct="1">
+              <a:buNone/>
+            </a:pPr>
+            <a:r>
+              <a:rPr lang="pt-BR" sz="2000" dirty="0" smtClean="0"/>
+              <a:t>	</a:t>
+            </a:r>
+            <a:r>
+              <a:rPr lang="pt-BR" sz="2000" dirty="0" err="1" smtClean="0"/>
+              <a:t>public</a:t>
+            </a:r>
+            <a:r>
+              <a:rPr lang="pt-BR" sz="2000" dirty="0" smtClean="0"/>
+              <a:t> </a:t>
+            </a:r>
+            <a:r>
+              <a:rPr lang="pt-BR" sz="2000" dirty="0" err="1" smtClean="0"/>
+              <a:t>int</a:t>
+            </a:r>
+            <a:r>
+              <a:rPr lang="pt-BR" sz="2000" dirty="0" smtClean="0"/>
+              <a:t> </a:t>
+            </a:r>
+            <a:r>
+              <a:rPr lang="pt-BR" sz="2000" dirty="0" err="1" smtClean="0">
+                <a:solidFill>
+                  <a:srgbClr val="FFC000"/>
+                </a:solidFill>
+              </a:rPr>
+              <a:t>getNumero</a:t>
+            </a:r>
             <a:r>
               <a:rPr lang="pt-BR" sz="2000" dirty="0" smtClean="0">
                 <a:solidFill>
                   <a:srgbClr val="FFC000"/>
                 </a:solidFill>
               </a:rPr>
-              <a:t>	</a:t>
+              <a:t>()</a:t>
             </a:r>
             <a:r>
               <a:rPr lang="pt-BR" sz="2000" dirty="0" smtClean="0"/>
-              <a:t>...</a:t>
-            </a:r>
-            <a:r>
-              <a:rPr lang="pt-BR" sz="2000" dirty="0" smtClean="0">
-                <a:solidFill>
-                  <a:srgbClr val="FFC000"/>
-                </a:solidFill>
-              </a:rPr>
-              <a:t>,</a:t>
+              <a:t> {</a:t>
             </a:r>
           </a:p>
           <a:p>
@@ -8182,91 +8208,34 @@
               <a:buNone/>
             </a:pPr>
             <a:r>
-              <a:rPr lang="pt-BR" sz="2000" dirty="0" smtClean="0">
-                <a:solidFill>
-                  <a:srgbClr val="FFC000"/>
-                </a:solidFill>
-              </a:rPr>
-              <a:t>	</a:t>
-            </a:r>
-            <a:r>
               <a:rPr lang="pt-BR" sz="2000" dirty="0" smtClean="0"/>
-              <a:t>DOMINGO</a:t>
-            </a:r>
-            <a:r>
-              <a:rPr lang="pt-BR" sz="2000" dirty="0" smtClean="0">
-                <a:solidFill>
-                  <a:srgbClr val="FFC000"/>
-                </a:solidFill>
-              </a:rPr>
-              <a:t>;</a:t>
+              <a:t>		</a:t>
+            </a:r>
+            <a:r>
+              <a:rPr lang="pt-BR" sz="2000" dirty="0" err="1" smtClean="0"/>
+              <a:t>return</a:t>
+            </a:r>
+            <a:r>
+              <a:rPr lang="pt-BR" sz="2000" dirty="0" smtClean="0"/>
+              <a:t> numero;</a:t>
             </a:r>
           </a:p>
           <a:p>
             <a:pPr marL="0" indent="0" eaLnBrk="1" hangingPunct="1">
               <a:buNone/>
             </a:pPr>
-            <a:endParaRPr lang="pt-BR" sz="2000" dirty="0" smtClean="0">
-              <a:solidFill>
-                <a:srgbClr val="FFC000"/>
-              </a:solidFill>
-            </a:endParaRPr>
+            <a:r>
+              <a:rPr lang="pt-BR" sz="2000" dirty="0" smtClean="0"/>
+              <a:t>	}</a:t>
+            </a:r>
           </a:p>
           <a:p>
             <a:pPr marL="0" indent="0" eaLnBrk="1" hangingPunct="1">
               <a:buNone/>
             </a:pPr>
             <a:r>
-              <a:rPr lang="pt-BR" sz="2000" dirty="0" smtClean="0">
-                <a:solidFill>
-                  <a:srgbClr val="FFC000"/>
-                </a:solidFill>
-              </a:rPr>
-              <a:t>	</a:t>
-            </a:r>
-            <a:r>
-              <a:rPr lang="pt-BR" sz="2000" dirty="0" err="1" smtClean="0">
-                <a:solidFill>
-                  <a:srgbClr val="FFC000"/>
-                </a:solidFill>
-              </a:rPr>
-              <a:t>private</a:t>
-            </a:r>
-            <a:r>
-              <a:rPr lang="pt-BR" sz="2000" dirty="0" smtClean="0">
-                <a:solidFill>
-                  <a:srgbClr val="FFC000"/>
-                </a:solidFill>
-              </a:rPr>
-              <a:t> </a:t>
-            </a:r>
-            <a:r>
-              <a:rPr lang="pt-BR" sz="2000" dirty="0" err="1" smtClean="0">
-                <a:solidFill>
-                  <a:srgbClr val="FFC000"/>
-                </a:solidFill>
-              </a:rPr>
-              <a:t>int</a:t>
-            </a:r>
-            <a:r>
-              <a:rPr lang="pt-BR" sz="2000" dirty="0" smtClean="0">
-                <a:solidFill>
-                  <a:srgbClr val="FFC000"/>
-                </a:solidFill>
-              </a:rPr>
-              <a:t> </a:t>
-            </a:r>
-            <a:r>
               <a:rPr lang="pt-BR" sz="2000" dirty="0" smtClean="0"/>
-              <a:t>numero</a:t>
-            </a:r>
-            <a:r>
-              <a:rPr lang="pt-BR" sz="2000" dirty="0" smtClean="0">
-                <a:solidFill>
-                  <a:srgbClr val="FFC000"/>
-                </a:solidFill>
-              </a:rPr>
-              <a:t>;</a:t>
+              <a:t>	... &lt;outros métodos&gt; ...</a:t>
             </a:r>
           </a:p>
           <a:p>
@@ -8274,178 +8243,7 @@
               <a:buNone/>
             </a:pPr>
             <a:r>
-              <a:rPr lang="pt-BR" sz="2000" dirty="0" smtClean="0">
-                <a:solidFill>
-                  <a:srgbClr val="FFC000"/>
-                </a:solidFill>
-              </a:rPr>
-              <a:t>	</a:t>
-            </a:r>
-            <a:r>
-              <a:rPr lang="pt-BR" sz="2000" dirty="0" err="1" smtClean="0">
-                <a:solidFill>
-                  <a:srgbClr val="FFC000"/>
-                </a:solidFill>
-              </a:rPr>
-              <a:t>private</a:t>
-            </a:r>
-            <a:r>
-              <a:rPr lang="pt-BR" sz="2000" dirty="0" smtClean="0">
-                <a:solidFill>
-                  <a:srgbClr val="FFC000"/>
-                </a:solidFill>
-              </a:rPr>
-              <a:t> String </a:t>
-            </a:r>
-            <a:r>
               <a:rPr lang="pt-BR" sz="2000" dirty="0" smtClean="0"/>
-              <a:t>nome</a:t>
-            </a:r>
-            <a:r>
-              <a:rPr lang="pt-BR" sz="2000" dirty="0" smtClean="0">
-                <a:solidFill>
-                  <a:srgbClr val="FFC000"/>
-                </a:solidFill>
-              </a:rPr>
-              <a:t>;</a:t>
-            </a:r>
-          </a:p>
-          <a:p>
-            <a:pPr marL="0" indent="0" eaLnBrk="1" hangingPunct="1">
-              <a:buNone/>
-            </a:pPr>
-            <a:endParaRPr lang="pt-BR" sz="2000" dirty="0" smtClean="0">
-              <a:solidFill>
-                <a:srgbClr val="FFC000"/>
-              </a:solidFill>
-            </a:endParaRPr>
-          </a:p>
-          <a:p>
-            <a:pPr marL="0" indent="0" eaLnBrk="1" hangingPunct="1">
-              <a:buNone/>
-            </a:pPr>
-            <a:r>
-              <a:rPr lang="pt-BR" sz="2000" dirty="0" smtClean="0">
-                <a:solidFill>
-                  <a:srgbClr val="FFC000"/>
-                </a:solidFill>
-              </a:rPr>
-              <a:t>	</a:t>
-            </a:r>
-            <a:r>
-              <a:rPr lang="pt-BR" sz="2000" dirty="0" err="1" smtClean="0">
-                <a:solidFill>
-                  <a:srgbClr val="FFC000"/>
-                </a:solidFill>
-              </a:rPr>
-              <a:t>public</a:t>
-            </a:r>
-            <a:r>
-              <a:rPr lang="pt-BR" sz="2000" dirty="0" smtClean="0">
-                <a:solidFill>
-                  <a:srgbClr val="FFC000"/>
-                </a:solidFill>
-              </a:rPr>
-              <a:t> </a:t>
-            </a:r>
-            <a:r>
-              <a:rPr lang="pt-BR" sz="2000" dirty="0" err="1" smtClean="0">
-                <a:solidFill>
-                  <a:srgbClr val="FFC000"/>
-                </a:solidFill>
-              </a:rPr>
-              <a:t>int</a:t>
-            </a:r>
-            <a:r>
-              <a:rPr lang="pt-BR" sz="2000" dirty="0" smtClean="0">
-                <a:solidFill>
-                  <a:srgbClr val="FFC000"/>
-                </a:solidFill>
-              </a:rPr>
-              <a:t> </a:t>
-            </a:r>
-            <a:r>
-              <a:rPr lang="pt-BR" sz="2000" dirty="0" err="1" smtClean="0"/>
-              <a:t>getNumero</a:t>
-            </a:r>
-            <a:r>
-              <a:rPr lang="pt-BR" sz="2000" dirty="0" smtClean="0"/>
-              <a:t>()</a:t>
-            </a:r>
-            <a:r>
-              <a:rPr lang="pt-BR" sz="2000" dirty="0" smtClean="0">
-                <a:solidFill>
-                  <a:srgbClr val="FFC000"/>
-                </a:solidFill>
-              </a:rPr>
-              <a:t> {</a:t>
-            </a:r>
-          </a:p>
-          <a:p>
-            <a:pPr marL="0" indent="0" eaLnBrk="1" hangingPunct="1">
-              <a:buNone/>
-            </a:pPr>
-            <a:r>
-              <a:rPr lang="pt-BR" sz="2000" dirty="0" smtClean="0">
-                <a:solidFill>
-                  <a:srgbClr val="FFC000"/>
-                </a:solidFill>
-              </a:rPr>
-              <a:t>		</a:t>
-            </a:r>
-            <a:r>
-              <a:rPr lang="pt-BR" sz="2000" dirty="0" err="1" smtClean="0">
-                <a:solidFill>
-                  <a:srgbClr val="FFC000"/>
-                </a:solidFill>
-              </a:rPr>
-              <a:t>return</a:t>
-            </a:r>
-            <a:r>
-              <a:rPr lang="pt-BR" sz="2000" dirty="0" smtClean="0">
-                <a:solidFill>
-                  <a:srgbClr val="FFC000"/>
-                </a:solidFill>
-              </a:rPr>
-              <a:t> numero;</a:t>
-            </a:r>
-          </a:p>
-          <a:p>
-            <a:pPr marL="0" indent="0" eaLnBrk="1" hangingPunct="1">
-              <a:buNone/>
-            </a:pPr>
-            <a:r>
-              <a:rPr lang="pt-BR" sz="2000" dirty="0" smtClean="0">
-                <a:solidFill>
-                  <a:srgbClr val="FFC000"/>
-                </a:solidFill>
-              </a:rPr>
-              <a:t>	}</a:t>
-            </a:r>
-          </a:p>
-          <a:p>
-            <a:pPr marL="0" indent="0" eaLnBrk="1" hangingPunct="1">
-              <a:buNone/>
-            </a:pPr>
-            <a:r>
-              <a:rPr lang="pt-BR" sz="2000" dirty="0" smtClean="0">
-                <a:solidFill>
-                  <a:srgbClr val="FFC000"/>
-                </a:solidFill>
-              </a:rPr>
-              <a:t>	... &lt;outros métodos&gt; ...</a:t>
-            </a:r>
-          </a:p>
-          <a:p>
-            <a:pPr marL="0" indent="0" eaLnBrk="1" hangingPunct="1">
-              <a:buNone/>
-            </a:pPr>
-            <a:r>
-              <a:rPr lang="pt-BR" sz="2000" dirty="0" smtClean="0">
-                <a:solidFill>
-                  <a:srgbClr val="FFC000"/>
-                </a:solidFill>
-              </a:rPr>
               <a:t>}</a:t>
             </a:r>
           </a:p>
@@ -8574,12 +8372,24 @@
               <a:buNone/>
             </a:pPr>
             <a:r>
-              <a:rPr lang="pt-BR" sz="2200" dirty="0" err="1" smtClean="0"/>
+              <a:rPr lang="pt-BR" sz="2200" dirty="0" err="1" smtClean="0">
+                <a:solidFill>
+                  <a:srgbClr val="FFC000"/>
+                </a:solidFill>
+              </a:rPr>
               <a:t>DiaDaSemana</a:t>
             </a:r>
             <a:r>
               <a:rPr lang="pt-BR" sz="2200" dirty="0" smtClean="0"/>
-              <a:t> </a:t>
+              <a:t> dia1 = </a:t>
+            </a:r>
+            <a:r>
+              <a:rPr lang="pt-BR" sz="2200" dirty="0" err="1" smtClean="0">
+                <a:solidFill>
+                  <a:srgbClr val="FFC000"/>
+                </a:solidFill>
+              </a:rPr>
+              <a:t>DiaDaSemana</a:t>
             </a:r>
             <a:r>
               <a:rPr lang="pt-BR" sz="2200" dirty="0" smtClean="0">
@@ -8587,19 +8397,47 @@
                   <a:srgbClr val="FFC000"/>
                 </a:solidFill>
               </a:rPr>
-              <a:t>dia1</a:t>
+              <a:t>.QUARTA</a:t>
             </a:r>
             <a:r>
               <a:rPr lang="pt-BR" sz="2200" dirty="0" smtClean="0"/>
-              <a:t> = </a:t>
+              <a:t>;</a:t>
+            </a:r>
+          </a:p>
+          <a:p>
+            <a:pPr lvl="2">
+              <a:buFont typeface="Wingdings 2" pitchFamily="18" charset="2"/>
+              <a:buNone/>
+            </a:pPr>
+            <a:r>
+              <a:rPr lang="pt-BR" sz="2200" dirty="0" smtClean="0"/>
+              <a:t>...</a:t>
+            </a:r>
+          </a:p>
+          <a:p>
+            <a:pPr lvl="2">
+              <a:buFont typeface="Wingdings 2" pitchFamily="18" charset="2"/>
+              <a:buNone/>
+            </a:pPr>
+            <a:r>
+              <a:rPr lang="pt-BR" sz="2200" dirty="0" smtClean="0"/>
+              <a:t>System.</a:t>
             </a:r>
             <a:r>
               <a:rPr lang="pt-BR" sz="2200" dirty="0" err="1" smtClean="0"/>
-              <a:t>DiaDaSemana</a:t>
+              <a:t>out.println</a:t>
             </a:r>
             <a:r>
               <a:rPr lang="pt-BR" sz="2200" dirty="0" smtClean="0"/>
-              <a:t>.QUARTA</a:t>
+              <a:t>(dia1.</a:t>
+            </a:r>
+            <a:r>
+              <a:rPr lang="pt-BR" sz="2200" dirty="0" err="1" smtClean="0">
+                <a:solidFill>
+                  <a:srgbClr val="FFC000"/>
+                </a:solidFill>
+              </a:rPr>
+              <a:t>getNome</a:t>
             </a:r>
             <a:r>
               <a:rPr lang="pt-BR" sz="2200" dirty="0" smtClean="0">
@@ -8607,66 +8445,10 @@
                   <a:srgbClr val="FFC000"/>
                 </a:solidFill>
               </a:rPr>
-              <a:t>;</a:t>
-            </a:r>
-          </a:p>
-          <a:p>
-            <a:pPr lvl="2">
-              <a:buFont typeface="Wingdings 2" pitchFamily="18" charset="2"/>
-              <a:buNone/>
-            </a:pPr>
-            <a:r>
-              <a:rPr lang="pt-BR" sz="2200" dirty="0" smtClean="0">
-                <a:solidFill>
-                  <a:srgbClr val="FFC000"/>
-                </a:solidFill>
-              </a:rPr>
-              <a:t>...</a:t>
-            </a:r>
-          </a:p>
-          <a:p>
-            <a:pPr lvl="2">
-              <a:buFont typeface="Wingdings 2" pitchFamily="18" charset="2"/>
-              <a:buNone/>
-            </a:pPr>
-            <a:r>
-              <a:rPr lang="pt-BR" sz="2200" dirty="0" smtClean="0">
-                <a:solidFill>
-                  <a:srgbClr val="FFC000"/>
-                </a:solidFill>
-              </a:rPr>
-              <a:t>System.</a:t>
-            </a:r>
-            <a:r>
-              <a:rPr lang="pt-BR" sz="2200" dirty="0" err="1" smtClean="0">
-                <a:solidFill>
-                  <a:srgbClr val="FFC000"/>
-                </a:solidFill>
-              </a:rPr>
-              <a:t>out.println</a:t>
-            </a:r>
-            <a:r>
-              <a:rPr lang="pt-BR" sz="2200" dirty="0" smtClean="0">
-                <a:solidFill>
-                  <a:srgbClr val="FFC000"/>
-                </a:solidFill>
-              </a:rPr>
-              <a:t>(dia1.</a:t>
-            </a:r>
-            <a:r>
-              <a:rPr lang="pt-BR" sz="2200" dirty="0" err="1" smtClean="0"/>
-              <a:t>getNome</a:t>
+              <a:t>()</a:t>
             </a:r>
             <a:r>
               <a:rPr lang="pt-BR" sz="2200" dirty="0" smtClean="0"/>
-              <a:t>()</a:t>
-            </a:r>
-            <a:r>
-              <a:rPr lang="pt-BR" sz="2200" dirty="0" smtClean="0">
-                <a:solidFill>
-                  <a:srgbClr val="FFC000"/>
-                </a:solidFill>
-              </a:rPr>
               <a:t>);</a:t>
             </a:r>
           </a:p>
@@ -8675,22 +8457,14 @@
               <a:buFont typeface="Wingdings 2" pitchFamily="18" charset="2"/>
               <a:buNone/>
             </a:pPr>
-            <a:endParaRPr lang="pt-BR" sz="2400" dirty="0" smtClean="0">
-              <a:solidFill>
-                <a:srgbClr val="FFC000"/>
-              </a:solidFill>
-            </a:endParaRPr>
+            <a:endParaRPr lang="pt-BR" sz="2400" dirty="0" smtClean="0"/>
           </a:p>
           <a:p>
             <a:pPr lvl="1">
               <a:buFont typeface="Wingdings 2" pitchFamily="18" charset="2"/>
               <a:buNone/>
             </a:pPr>
-            <a:endParaRPr lang="pt-BR" sz="2400" dirty="0" smtClean="0">
-              <a:solidFill>
-                <a:srgbClr val="FFC000"/>
-              </a:solidFill>
-            </a:endParaRPr>
+            <a:endParaRPr lang="pt-BR" sz="2400" dirty="0" smtClean="0"/>
           </a:p>
           <a:p>
             <a:r>
@@ -8706,11 +8480,7 @@
               <a:buFont typeface="Wingdings 2" pitchFamily="18" charset="2"/>
               <a:buNone/>
             </a:pPr>
-            <a:endParaRPr lang="pt-BR" sz="2400" dirty="0" smtClean="0">
-              <a:solidFill>
-                <a:srgbClr val="FFC000"/>
-              </a:solidFill>
-            </a:endParaRPr>
+            <a:endParaRPr lang="pt-BR" sz="2400" dirty="0" smtClean="0"/>
           </a:p>
         </p:txBody>
       </p:sp>
@@ -8799,12 +8569,41 @@
               <a:buNone/>
             </a:pPr>
             <a:r>
+              <a:rPr lang="pt-BR" sz="1800" dirty="0" err="1" smtClean="0"/>
+              <a:t>public</a:t>
+            </a:r>
+            <a:r>
+              <a:rPr lang="pt-BR" sz="1800" dirty="0" smtClean="0"/>
+              <a:t> </a:t>
+            </a:r>
+            <a:r>
+              <a:rPr lang="pt-BR" sz="1800" b="1" u="sng" dirty="0" err="1" smtClean="0"/>
+              <a:t>enum</a:t>
+            </a:r>
+            <a:r>
+              <a:rPr lang="pt-BR" sz="1800" dirty="0" smtClean="0"/>
+              <a:t> </a:t>
+            </a:r>
+            <a:r>
               <a:rPr lang="pt-BR" sz="1800" dirty="0" err="1" smtClean="0">
                 <a:solidFill>
                   <a:srgbClr val="FFC000"/>
                 </a:solidFill>
               </a:rPr>
-              <a:t>public</a:t>
+              <a:t>DiaDaSemana</a:t>
+            </a:r>
+            <a:r>
+              <a:rPr lang="pt-BR" sz="1800" dirty="0" smtClean="0"/>
+              <a:t> {</a:t>
+            </a:r>
+          </a:p>
+          <a:p>
+            <a:pPr marL="0" indent="0" eaLnBrk="1" hangingPunct="1">
+              <a:buNone/>
+            </a:pPr>
+            <a:r>
+              <a:rPr lang="pt-BR" sz="1800" dirty="0" smtClean="0"/>
+              <a:t>	</a:t>
             </a:r>
             <a:r>
               <a:rPr lang="pt-BR" sz="1800" dirty="0" smtClean="0">
@@ -8812,15 +8611,15 @@
                   <a:srgbClr val="FFC000"/>
                 </a:solidFill>
               </a:rPr>
-              <a:t> </a:t>
-            </a:r>
-            <a:r>
-              <a:rPr lang="pt-BR" sz="1800" b="1" u="sng" dirty="0" err="1" smtClean="0">
+              <a:t>SEGUNDA(1, “segunda-feira”, “</a:t>
+            </a:r>
+            <a:r>
+              <a:rPr lang="pt-BR" sz="1800" dirty="0" err="1" smtClean="0">
                 <a:solidFill>
                   <a:srgbClr val="FFC000"/>
                 </a:solidFill>
               </a:rPr>
-              <a:t>enum</a:t>
+              <a:t>seg</a:t>
             </a:r>
             <a:r>
               <a:rPr lang="pt-BR" sz="1800" dirty="0" smtClean="0">
@@ -8828,11 +8627,20 @@
                   <a:srgbClr val="FFC000"/>
                 </a:solidFill>
               </a:rPr>
-              <a:t> </a:t>
-            </a:r>
-            <a:r>
-              <a:rPr lang="pt-BR" sz="1800" dirty="0" err="1" smtClean="0"/>
-              <a:t>DiaDaSemana</a:t>
+              <a:t>”)</a:t>
+            </a:r>
+            <a:r>
+              <a:rPr lang="pt-BR" sz="1800" dirty="0" smtClean="0"/>
+              <a:t>,</a:t>
+            </a:r>
+          </a:p>
+          <a:p>
+            <a:pPr marL="0" indent="0" eaLnBrk="1" hangingPunct="1">
+              <a:buNone/>
+            </a:pPr>
+            <a:r>
+              <a:rPr lang="pt-BR" sz="1800" dirty="0" smtClean="0"/>
+              <a:t>	</a:t>
             </a:r>
             <a:r>
               <a:rPr lang="pt-BR" sz="1800" dirty="0" smtClean="0">
@@ -8840,32 +8648,63 @@
                   <a:srgbClr val="FFC000"/>
                 </a:solidFill>
               </a:rPr>
-              <a:t> {</a:t>
+              <a:t>...</a:t>
+            </a:r>
+            <a:r>
+              <a:rPr lang="pt-BR" sz="1800" dirty="0" smtClean="0"/>
+              <a:t>,</a:t>
             </a:r>
           </a:p>
           <a:p>
             <a:pPr marL="0" indent="0" eaLnBrk="1" hangingPunct="1">
               <a:buNone/>
             </a:pPr>
+            <a:r>
+              <a:rPr lang="pt-BR" sz="1800" dirty="0" smtClean="0"/>
+              <a:t>	</a:t>
+            </a:r>
             <a:r>
               <a:rPr lang="pt-BR" sz="1800" dirty="0" smtClean="0">
                 <a:solidFill>
                   <a:srgbClr val="FFC000"/>
                 </a:solidFill>
               </a:rPr>
+              <a:t>DOMINGO(7, “domingo”, “dom”)</a:t>
+            </a:r>
+            <a:r>
+              <a:rPr lang="pt-BR" sz="1800" dirty="0" smtClean="0"/>
+              <a:t>;</a:t>
+            </a:r>
+          </a:p>
+          <a:p>
+            <a:pPr marL="0" indent="0" eaLnBrk="1" hangingPunct="1">
+              <a:buNone/>
+            </a:pPr>
+            <a:endParaRPr lang="pt-BR" sz="1800" dirty="0" smtClean="0"/>
+          </a:p>
+          <a:p>
+            <a:pPr marL="0" indent="0" eaLnBrk="1" hangingPunct="1">
+              <a:buNone/>
+            </a:pPr>
+            <a:r>
+              <a:rPr lang="pt-BR" sz="1800" dirty="0" smtClean="0"/>
               <a:t>	</a:t>
             </a:r>
             <a:r>
+              <a:rPr lang="pt-BR" sz="1800" dirty="0" err="1" smtClean="0"/>
+              <a:t>private</a:t>
+            </a:r>
+            <a:r>
               <a:rPr lang="pt-BR" sz="1800" dirty="0" smtClean="0"/>
-              <a:t>SEGUNDA(1, “segunda-feira”, “</a:t>
+              <a:t> </a:t>
             </a:r>
             <a:r>
               <a:rPr lang="pt-BR" sz="1800" dirty="0" err="1" smtClean="0"/>
-              <a:t>seg</a:t>
+              <a:t>int</a:t>
             </a:r>
             <a:r>
               <a:rPr lang="pt-BR" sz="1800" dirty="0" smtClean="0"/>
-              <a:t>”)</a:t>
+              <a:t> </a:t>
             </a:r>
             <a:r>
               <a:rPr lang="pt-BR" sz="1800" dirty="0" smtClean="0">
@@ -8873,24 +8712,100 @@
                   <a:srgbClr val="FFC000"/>
                 </a:solidFill>
               </a:rPr>
-              <a:t>,</a:t>
+              <a:t>numero</a:t>
+            </a:r>
+            <a:r>
+              <a:rPr lang="pt-BR" sz="1800" dirty="0" smtClean="0"/>
+              <a:t>;</a:t>
             </a:r>
           </a:p>
           <a:p>
             <a:pPr marL="0" indent="0" eaLnBrk="1" hangingPunct="1">
               <a:buNone/>
             </a:pPr>
+            <a:r>
+              <a:rPr lang="pt-BR" sz="1800" dirty="0" smtClean="0"/>
+              <a:t>	</a:t>
+            </a:r>
+            <a:r>
+              <a:rPr lang="pt-BR" sz="1800" dirty="0" err="1" smtClean="0"/>
+              <a:t>private</a:t>
+            </a:r>
+            <a:r>
+              <a:rPr lang="pt-BR" sz="1800" dirty="0" smtClean="0"/>
+              <a:t> String </a:t>
+            </a:r>
             <a:r>
               <a:rPr lang="pt-BR" sz="1800" dirty="0" smtClean="0">
                 <a:solidFill>
                   <a:srgbClr val="FFC000"/>
                 </a:solidFill>
               </a:rPr>
+              <a:t>nome</a:t>
+            </a:r>
+            <a:r>
+              <a:rPr lang="pt-BR" sz="1800" dirty="0" smtClean="0"/>
+              <a:t>;</a:t>
+            </a:r>
+          </a:p>
+          <a:p>
+            <a:pPr marL="0" indent="0" eaLnBrk="1" hangingPunct="1">
+              <a:buNone/>
+            </a:pPr>
+            <a:r>
+              <a:rPr lang="pt-BR" sz="1800" dirty="0" smtClean="0"/>
               <a:t>	</a:t>
             </a:r>
             <a:r>
+              <a:rPr lang="pt-BR" sz="1800" dirty="0" err="1" smtClean="0"/>
+              <a:t>private</a:t>
+            </a:r>
+            <a:r>
               <a:rPr lang="pt-BR" sz="1800" dirty="0" smtClean="0"/>
-              <a:t>...</a:t>
+              <a:t> String </a:t>
+            </a:r>
+            <a:r>
+              <a:rPr lang="pt-BR" sz="1800" dirty="0" err="1" smtClean="0">
+                <a:solidFill>
+                  <a:srgbClr val="FFC000"/>
+                </a:solidFill>
+              </a:rPr>
+              <a:t>nomeAbreviado</a:t>
+            </a:r>
+            <a:r>
+              <a:rPr lang="pt-BR" sz="1800" dirty="0" smtClean="0"/>
+              <a:t>;</a:t>
+            </a:r>
+          </a:p>
+          <a:p>
+            <a:pPr marL="0" indent="0" eaLnBrk="1" hangingPunct="1">
+              <a:buNone/>
+            </a:pPr>
+            <a:endParaRPr lang="pt-BR" sz="1800" dirty="0" smtClean="0"/>
+          </a:p>
+          <a:p>
+            <a:pPr marL="0" indent="0" eaLnBrk="1" hangingPunct="1">
+              <a:buNone/>
+            </a:pPr>
+            <a:r>
+              <a:rPr lang="pt-BR" sz="1800" dirty="0" smtClean="0"/>
+              <a:t>	</a:t>
+            </a:r>
+            <a:r>
+              <a:rPr lang="pt-BR" sz="1800" dirty="0" err="1" smtClean="0"/>
+              <a:t>private</a:t>
+            </a:r>
+            <a:r>
+              <a:rPr lang="pt-BR" sz="1800" dirty="0" smtClean="0"/>
+              <a:t> </a:t>
+            </a:r>
+            <a:r>
+              <a:rPr lang="pt-BR" sz="1800" dirty="0" err="1" smtClean="0">
+                <a:solidFill>
+                  <a:srgbClr val="FFC000"/>
+                </a:solidFill>
+              </a:rPr>
+              <a:t>DiaDaSemana</a:t>
             </a:r>
             <a:r>
               <a:rPr lang="pt-BR" sz="1800" dirty="0" smtClean="0">
@@ -8898,24 +8813,48 @@
                   <a:srgbClr val="FFC000"/>
                 </a:solidFill>
               </a:rPr>
-              <a:t>,</a:t>
-            </a:r>
-          </a:p>
-          <a:p>
-            <a:pPr marL="0" indent="0" eaLnBrk="1" hangingPunct="1">
-              <a:buNone/>
-            </a:pPr>
+              <a:t>(</a:t>
+            </a:r>
+            <a:r>
+              <a:rPr lang="pt-BR" sz="1800" dirty="0" err="1" smtClean="0"/>
+              <a:t>int</a:t>
+            </a:r>
+            <a:r>
+              <a:rPr lang="pt-BR" sz="1800" dirty="0" smtClean="0"/>
+              <a:t> numero, String nome, String </a:t>
+            </a:r>
+            <a:r>
+              <a:rPr lang="pt-BR" sz="1800" dirty="0" err="1" smtClean="0"/>
+              <a:t>abrev</a:t>
+            </a:r>
             <a:r>
               <a:rPr lang="pt-BR" sz="1800" dirty="0" smtClean="0">
                 <a:solidFill>
                   <a:srgbClr val="FFC000"/>
                 </a:solidFill>
               </a:rPr>
-              <a:t>	</a:t>
+              <a:t>) </a:t>
             </a:r>
             <a:r>
               <a:rPr lang="pt-BR" sz="1800" dirty="0" smtClean="0"/>
-              <a:t>DOMINGO(7, “domingo”, “dom”)</a:t>
+              <a:t>{</a:t>
+            </a:r>
+          </a:p>
+          <a:p>
+            <a:pPr marL="0" indent="0" eaLnBrk="1" hangingPunct="1">
+              <a:buNone/>
+            </a:pPr>
+            <a:r>
+              <a:rPr lang="pt-BR" sz="1800" dirty="0" smtClean="0"/>
+              <a:t>		</a:t>
+            </a:r>
+            <a:r>
+              <a:rPr lang="pt-BR" sz="1800" dirty="0" err="1" smtClean="0"/>
+              <a:t>this</a:t>
+            </a:r>
+            <a:r>
+              <a:rPr lang="pt-BR" sz="1800" dirty="0" smtClean="0"/>
+              <a:t>.</a:t>
             </a:r>
             <a:r>
               <a:rPr lang="pt-BR" sz="1800" dirty="0" smtClean="0">
@@ -8923,30 +8862,57 @@
                   <a:srgbClr val="FFC000"/>
                 </a:solidFill>
               </a:rPr>
-              <a:t>;</a:t>
+              <a:t>numero</a:t>
+            </a:r>
+            <a:r>
+              <a:rPr lang="pt-BR" sz="1800" dirty="0" smtClean="0"/>
+              <a:t> = numero;</a:t>
             </a:r>
           </a:p>
           <a:p>
             <a:pPr marL="0" indent="0" eaLnBrk="1" hangingPunct="1">
               <a:buNone/>
             </a:pPr>
-            <a:endParaRPr lang="pt-BR" sz="1800" dirty="0" smtClean="0">
-              <a:solidFill>
-                <a:srgbClr val="FFC000"/>
-              </a:solidFill>
-            </a:endParaRPr>
-          </a:p>
-          <a:p>
-            <a:pPr marL="0" indent="0" eaLnBrk="1" hangingPunct="1">
-              <a:buNone/>
-            </a:pPr>
+            <a:r>
+              <a:rPr lang="pt-BR" sz="1800" dirty="0" smtClean="0"/>
+              <a:t>		</a:t>
+            </a:r>
+            <a:r>
+              <a:rPr lang="pt-BR" sz="1800" dirty="0" err="1" smtClean="0"/>
+              <a:t>this</a:t>
+            </a:r>
+            <a:r>
+              <a:rPr lang="pt-BR" sz="1800" dirty="0" smtClean="0"/>
+              <a:t>.</a:t>
+            </a:r>
             <a:r>
               <a:rPr lang="pt-BR" sz="1800" dirty="0" smtClean="0">
                 <a:solidFill>
                   <a:srgbClr val="FFC000"/>
                 </a:solidFill>
               </a:rPr>
-              <a:t>	</a:t>
+              <a:t>nome </a:t>
+            </a:r>
+            <a:r>
+              <a:rPr lang="pt-BR" sz="1800" dirty="0" smtClean="0"/>
+              <a:t>= nome;</a:t>
+            </a:r>
+          </a:p>
+          <a:p>
+            <a:pPr marL="0" indent="0" eaLnBrk="1" hangingPunct="1">
+              <a:buNone/>
+            </a:pPr>
+            <a:r>
+              <a:rPr lang="pt-BR" sz="1800" dirty="0" smtClean="0"/>
+              <a:t>		</a:t>
+            </a:r>
+            <a:r>
+              <a:rPr lang="pt-BR" sz="1800" dirty="0" err="1" smtClean="0"/>
+              <a:t>this</a:t>
+            </a:r>
+            <a:r>
+              <a:rPr lang="pt-BR" sz="1800" dirty="0" smtClean="0"/>
+              <a:t>.</a:t>
             </a:r>
             <a:r>
               <a:rPr lang="pt-BR" sz="1800" dirty="0" err="1" smtClean="0">
@@ -8954,42 +8920,18 @@
                   <a:srgbClr val="FFC000"/>
                 </a:solidFill>
               </a:rPr>
-              <a:t>private</a:t>
-            </a:r>
-            <a:r>
-              <a:rPr lang="pt-BR" sz="1800" dirty="0" smtClean="0">
-                <a:solidFill>
-                  <a:srgbClr val="FFC000"/>
-                </a:solidFill>
-              </a:rPr>
-              <a:t> </a:t>
-            </a:r>
-            <a:r>
-              <a:rPr lang="pt-BR" sz="1800" dirty="0" err="1" smtClean="0">
-                <a:solidFill>
-                  <a:srgbClr val="FFC000"/>
-                </a:solidFill>
-              </a:rPr>
-              <a:t>int</a:t>
-            </a:r>
-            <a:r>
-              <a:rPr lang="pt-BR" sz="1800" dirty="0" smtClean="0">
-                <a:solidFill>
-                  <a:srgbClr val="FFC000"/>
-                </a:solidFill>
-              </a:rPr>
-              <a:t> </a:t>
+              <a:t>nomeAbreviado</a:t>
             </a:r>
             <a:r>
               <a:rPr lang="pt-BR" sz="1800" dirty="0" smtClean="0"/>
-              <a:t>numero</a:t>
-            </a:r>
-            <a:r>
-              <a:rPr lang="pt-BR" sz="1800" dirty="0" smtClean="0">
-                <a:solidFill>
-                  <a:srgbClr val="FFC000"/>
-                </a:solidFill>
-              </a:rPr>
+              <a:t> = </a:t>
+            </a:r>
+            <a:r>
+              <a:rPr lang="pt-BR" sz="1800" dirty="0" err="1" smtClean="0"/>
+              <a:t>abrev</a:t>
+            </a:r>
+            <a:r>
+              <a:rPr lang="pt-BR" sz="1800" dirty="0" smtClean="0"/>
               <a:t>;</a:t>
             </a:r>
           </a:p>
@@ -8998,40 +8940,8 @@
               <a:buNone/>
             </a:pPr>
             <a:r>
-              <a:rPr lang="pt-BR" sz="1800" dirty="0" smtClean="0">
-                <a:solidFill>
-                  <a:srgbClr val="FFC000"/>
-                </a:solidFill>
-              </a:rPr>
-              <a:t>	</a:t>
-            </a:r>
-            <a:r>
-              <a:rPr lang="pt-BR" sz="1800" dirty="0" err="1" smtClean="0">
-                <a:solidFill>
-                  <a:srgbClr val="FFC000"/>
-                </a:solidFill>
-              </a:rPr>
-              <a:t>private</a:t>
-            </a:r>
-            <a:r>
-              <a:rPr lang="pt-BR" sz="1800" dirty="0" smtClean="0">
-                <a:solidFill>
-                  <a:srgbClr val="FFC000"/>
-                </a:solidFill>
-              </a:rPr>
-              <a:t> String </a:t>
-            </a:r>
-            <a:r>
               <a:rPr lang="pt-BR" sz="1800" dirty="0" smtClean="0"/>
-              <a:t>nome</a:t>
-            </a:r>
-            <a:r>
-              <a:rPr lang="pt-BR" sz="1800" dirty="0" smtClean="0">
-                <a:solidFill>
-                  <a:srgbClr val="FFC000"/>
-                </a:solidFill>
-              </a:rPr>
-              <a:t>;</a:t>
+              <a:t>	}</a:t>
             </a:r>
           </a:p>
           <a:p>
@@ -9039,308 +8949,16 @@
               <a:buNone/>
             </a:pPr>
             <a:r>
-              <a:rPr lang="pt-BR" sz="1800" dirty="0" smtClean="0">
-                <a:solidFill>
-                  <a:srgbClr val="FFC000"/>
-                </a:solidFill>
-              </a:rPr>
-              <a:t>	</a:t>
-            </a:r>
-            <a:r>
-              <a:rPr lang="pt-BR" sz="1800" dirty="0" err="1" smtClean="0">
-                <a:solidFill>
-                  <a:srgbClr val="FFC000"/>
-                </a:solidFill>
-              </a:rPr>
-              <a:t>private</a:t>
-            </a:r>
-            <a:r>
-              <a:rPr lang="pt-BR" sz="1800" dirty="0" smtClean="0">
-                <a:solidFill>
-                  <a:srgbClr val="FFC000"/>
-                </a:solidFill>
-              </a:rPr>
-              <a:t> String </a:t>
-            </a:r>
-            <a:r>
-              <a:rPr lang="pt-BR" sz="1800" dirty="0" err="1" smtClean="0"/>
-              <a:t>nomeAbreviado</a:t>
-            </a:r>
-            <a:r>
-              <a:rPr lang="pt-BR" sz="1800" dirty="0" smtClean="0">
-                <a:solidFill>
-                  <a:srgbClr val="FFC000"/>
-                </a:solidFill>
-              </a:rPr>
-              <a:t>;</a:t>
+              <a:rPr lang="pt-BR" sz="1800" dirty="0" smtClean="0"/>
+              <a:t>	... &lt;outros métodos&gt; ...</a:t>
             </a:r>
           </a:p>
           <a:p>
             <a:pPr marL="0" indent="0" eaLnBrk="1" hangingPunct="1">
               <a:buNone/>
             </a:pPr>
-            <a:endParaRPr lang="pt-BR" sz="1800" dirty="0" smtClean="0">
-              <a:solidFill>
-                <a:srgbClr val="FFC000"/>
-              </a:solidFill>
-            </a:endParaRPr>
-          </a:p>
-          <a:p>
-            <a:pPr marL="0" indent="0" eaLnBrk="1" hangingPunct="1">
-              <a:buNone/>
-            </a:pPr>
-            <a:r>
-              <a:rPr lang="pt-BR" sz="1800" dirty="0" smtClean="0">
-                <a:solidFill>
-                  <a:srgbClr val="FFC000"/>
-                </a:solidFill>
-              </a:rPr>
-              <a:t>	</a:t>
-            </a:r>
-            <a:r>
-              <a:rPr lang="pt-BR" sz="1800" dirty="0" err="1" smtClean="0">
-                <a:solidFill>
-                  <a:srgbClr val="FFC000"/>
-                </a:solidFill>
-              </a:rPr>
-              <a:t>private</a:t>
-            </a:r>
-            <a:r>
-              <a:rPr lang="pt-BR" sz="1800" dirty="0" smtClean="0">
-                <a:solidFill>
-                  <a:srgbClr val="FFC000"/>
-                </a:solidFill>
-              </a:rPr>
-              <a:t> </a:t>
-            </a:r>
-            <a:r>
-              <a:rPr lang="pt-BR" sz="1800" dirty="0" err="1" smtClean="0"/>
-              <a:t>DiaDaSemana</a:t>
-            </a:r>
             <a:r>
               <a:rPr lang="pt-BR" sz="1800" dirty="0" smtClean="0"/>
-              <a:t>(</a:t>
-            </a:r>
-            <a:r>
-              <a:rPr lang="pt-BR" sz="1800" dirty="0" err="1" smtClean="0"/>
-              <a:t>int</a:t>
-            </a:r>
-            <a:r>
-              <a:rPr lang="pt-BR" sz="1800" dirty="0" smtClean="0"/>
-              <a:t> numero, String nome, String </a:t>
-            </a:r>
-            <a:r>
-              <a:rPr lang="pt-BR" sz="1800" dirty="0" err="1" smtClean="0"/>
-              <a:t>abrev</a:t>
-            </a:r>
-            <a:r>
-              <a:rPr lang="pt-BR" sz="1800" dirty="0" smtClean="0"/>
-              <a:t>)</a:t>
-            </a:r>
-            <a:r>
-              <a:rPr lang="pt-BR" sz="1800" dirty="0" smtClean="0">
-                <a:solidFill>
-                  <a:srgbClr val="FFC000"/>
-                </a:solidFill>
-              </a:rPr>
-              <a:t> {</a:t>
-            </a:r>
-          </a:p>
-          <a:p>
-            <a:pPr marL="0" indent="0" eaLnBrk="1" hangingPunct="1">
-              <a:buNone/>
-            </a:pPr>
-            <a:r>
-              <a:rPr lang="pt-BR" sz="1800" dirty="0" smtClean="0">
-                <a:solidFill>
-                  <a:srgbClr val="FFC000"/>
-                </a:solidFill>
-              </a:rPr>
-              <a:t>		</a:t>
-            </a:r>
-            <a:r>
-              <a:rPr lang="pt-BR" sz="1800" dirty="0" err="1" smtClean="0">
-                <a:solidFill>
-                  <a:srgbClr val="FFC000"/>
-                </a:solidFill>
-              </a:rPr>
-              <a:t>this</a:t>
-            </a:r>
-            <a:r>
-              <a:rPr lang="pt-BR" sz="1800" dirty="0" smtClean="0">
-                <a:solidFill>
-                  <a:srgbClr val="FFC000"/>
-                </a:solidFill>
-              </a:rPr>
-              <a:t>.</a:t>
-            </a:r>
-            <a:r>
-              <a:rPr lang="pt-BR" sz="1800" dirty="0" smtClean="0"/>
-              <a:t>numero</a:t>
-            </a:r>
-            <a:r>
-              <a:rPr lang="pt-BR" sz="1800" dirty="0" smtClean="0">
-                <a:solidFill>
-                  <a:srgbClr val="FFC000"/>
-                </a:solidFill>
-              </a:rPr>
-              <a:t> = </a:t>
-            </a:r>
-            <a:r>
-              <a:rPr lang="pt-BR" sz="1800" dirty="0" smtClean="0"/>
-              <a:t>numero</a:t>
-            </a:r>
-            <a:r>
-              <a:rPr lang="pt-BR" sz="1800" dirty="0" smtClean="0">
-                <a:solidFill>
-                  <a:srgbClr val="FFC000"/>
-                </a:solidFill>
-              </a:rPr>
-              <a:t>;</a:t>
-            </a:r>
-          </a:p>
-          <a:p>
-            <a:pPr marL="0" indent="0" eaLnBrk="1" hangingPunct="1">
-              <a:buNone/>
-            </a:pPr>
-            <a:r>
-              <a:rPr lang="pt-BR" sz="1800" dirty="0" smtClean="0">
-                <a:solidFill>
-                  <a:srgbClr val="FFC000"/>
-                </a:solidFill>
-              </a:rPr>
-              <a:t>		</a:t>
-            </a:r>
-            <a:r>
-              <a:rPr lang="pt-BR" sz="1800" dirty="0" err="1" smtClean="0">
-                <a:solidFill>
-                  <a:srgbClr val="FFC000"/>
-                </a:solidFill>
-              </a:rPr>
-              <a:t>this</a:t>
-            </a:r>
-            <a:r>
-              <a:rPr lang="pt-BR" sz="1800" dirty="0" smtClean="0">
-                <a:solidFill>
-                  <a:srgbClr val="FFC000"/>
-                </a:solidFill>
-              </a:rPr>
-              <a:t>.</a:t>
-            </a:r>
-            <a:r>
-              <a:rPr lang="pt-BR" sz="1800" dirty="0" smtClean="0"/>
-              <a:t>nome</a:t>
-            </a:r>
-            <a:r>
-              <a:rPr lang="pt-BR" sz="1800" dirty="0" smtClean="0">
-                <a:solidFill>
-                  <a:srgbClr val="FFC000"/>
-                </a:solidFill>
-              </a:rPr>
-              <a:t> = </a:t>
-            </a:r>
-            <a:r>
-              <a:rPr lang="pt-BR" sz="1800" dirty="0" smtClean="0"/>
-              <a:t>nome</a:t>
-            </a:r>
-            <a:r>
-              <a:rPr lang="pt-BR" sz="1800" dirty="0" smtClean="0">
-                <a:solidFill>
-                  <a:srgbClr val="FFC000"/>
-                </a:solidFill>
-              </a:rPr>
-              <a:t>;</a:t>
-            </a:r>
-          </a:p>
-          <a:p>
-            <a:pPr marL="0" indent="0" eaLnBrk="1" hangingPunct="1">
-              <a:buNone/>
-            </a:pPr>
-            <a:r>
-              <a:rPr lang="pt-BR" sz="1800" dirty="0" smtClean="0">
-                <a:solidFill>
-                  <a:srgbClr val="FFC000"/>
-                </a:solidFill>
-              </a:rPr>
-              <a:t>		</a:t>
-            </a:r>
-            <a:r>
-              <a:rPr lang="pt-BR" sz="1800" dirty="0" err="1" smtClean="0">
-                <a:solidFill>
-                  <a:srgbClr val="FFC000"/>
-                </a:solidFill>
-              </a:rPr>
-              <a:t>this</a:t>
-            </a:r>
-            <a:r>
-              <a:rPr lang="pt-BR" sz="1800" dirty="0" smtClean="0">
-                <a:solidFill>
-                  <a:srgbClr val="FFC000"/>
-                </a:solidFill>
-              </a:rPr>
-              <a:t>.</a:t>
-            </a:r>
-            <a:r>
-              <a:rPr lang="pt-BR" sz="1800" dirty="0" err="1" smtClean="0"/>
-              <a:t>nomeAbreviado</a:t>
-            </a:r>
-            <a:r>
-              <a:rPr lang="pt-BR" sz="1800" dirty="0" smtClean="0">
-                <a:solidFill>
-                  <a:srgbClr val="FFC000"/>
-                </a:solidFill>
-              </a:rPr>
-              <a:t> = </a:t>
-            </a:r>
-            <a:r>
-              <a:rPr lang="pt-BR" sz="1800" dirty="0" err="1" smtClean="0"/>
-              <a:t>abrev</a:t>
-            </a:r>
-            <a:r>
-              <a:rPr lang="pt-BR" sz="1800" dirty="0" smtClean="0">
-                <a:solidFill>
-                  <a:srgbClr val="FFC000"/>
-                </a:solidFill>
-              </a:rPr>
-              <a:t>;</a:t>
-            </a:r>
-          </a:p>
-          <a:p>
-            <a:pPr marL="0" indent="0" eaLnBrk="1" hangingPunct="1">
-              <a:buNone/>
-            </a:pPr>
-            <a:r>
-              <a:rPr lang="pt-BR" sz="1800" dirty="0" smtClean="0">
-                <a:solidFill>
-                  <a:srgbClr val="FFC000"/>
-                </a:solidFill>
-              </a:rPr>
-              <a:t>	}</a:t>
-            </a:r>
-          </a:p>
-          <a:p>
-            <a:pPr marL="0" indent="0" eaLnBrk="1" hangingPunct="1">
-              <a:buNone/>
-            </a:pPr>
-            <a:r>
-              <a:rPr lang="pt-BR" sz="1800" dirty="0" smtClean="0">
-                <a:solidFill>
-                  <a:srgbClr val="FFC000"/>
-                </a:solidFill>
-              </a:rPr>
-              <a:t>	... &lt;outros métodos&gt; ...</a:t>
-            </a:r>
-          </a:p>
-          <a:p>
-            <a:pPr marL="0" indent="0" eaLnBrk="1" hangingPunct="1">
-              <a:buNone/>
-            </a:pPr>
-            <a:r>
-              <a:rPr lang="pt-BR" sz="1800" dirty="0" smtClean="0">
-                <a:solidFill>
-                  <a:srgbClr val="FFC000"/>
-                </a:solidFill>
-              </a:rPr>
               <a:t>}</a:t>
             </a:r>
           </a:p>
@@ -9515,12 +9133,93 @@
               <a:buNone/>
             </a:pPr>
             <a:r>
+              <a:rPr lang="pt-BR" sz="2400" dirty="0" err="1" smtClean="0"/>
+              <a:t>public</a:t>
+            </a:r>
+            <a:r>
+              <a:rPr lang="pt-BR" sz="2400" dirty="0" smtClean="0"/>
+              <a:t> </a:t>
+            </a:r>
+            <a:r>
+              <a:rPr lang="pt-BR" sz="2400" dirty="0" err="1" smtClean="0"/>
+              <a:t>class</a:t>
+            </a:r>
+            <a:r>
+              <a:rPr lang="pt-BR" sz="2400" dirty="0" smtClean="0"/>
+              <a:t> </a:t>
+            </a:r>
+            <a:r>
+              <a:rPr lang="pt-BR" sz="2400" dirty="0" err="1" smtClean="0"/>
+              <a:t>Funcionario</a:t>
+            </a:r>
+            <a:r>
+              <a:rPr lang="pt-BR" sz="2400" dirty="0" smtClean="0"/>
+              <a:t> {</a:t>
+            </a:r>
+          </a:p>
+          <a:p>
+            <a:pPr marL="1000125" lvl="3" indent="6350">
+              <a:buFont typeface="Wingdings 2" pitchFamily="18" charset="2"/>
+              <a:buNone/>
+            </a:pPr>
+            <a:r>
+              <a:rPr lang="pt-BR" sz="2400" dirty="0" smtClean="0"/>
+              <a:t>	</a:t>
+            </a:r>
+            <a:r>
+              <a:rPr lang="pt-BR" sz="2400" dirty="0" err="1" smtClean="0"/>
+              <a:t>private</a:t>
+            </a:r>
+            <a:r>
+              <a:rPr lang="pt-BR" sz="2400" dirty="0" smtClean="0"/>
+              <a:t> </a:t>
+            </a:r>
+            <a:r>
+              <a:rPr lang="pt-BR" sz="2400" dirty="0" err="1" smtClean="0"/>
+              <a:t>int</a:t>
+            </a:r>
+            <a:r>
+              <a:rPr lang="pt-BR" sz="2400" dirty="0" smtClean="0"/>
+              <a:t> matricula;</a:t>
+            </a:r>
+          </a:p>
+          <a:p>
+            <a:pPr marL="1000125" lvl="3" indent="6350">
+              <a:buFont typeface="Wingdings 2" pitchFamily="18" charset="2"/>
+              <a:buNone/>
+            </a:pPr>
+            <a:r>
+              <a:rPr lang="pt-BR" sz="2400" dirty="0" smtClean="0"/>
+              <a:t>	</a:t>
+            </a:r>
+            <a:r>
+              <a:rPr lang="pt-BR" sz="2400" dirty="0" err="1" smtClean="0"/>
+              <a:t>private</a:t>
+            </a:r>
+            <a:r>
+              <a:rPr lang="pt-BR" sz="2400" dirty="0" smtClean="0"/>
+              <a:t> String nome;</a:t>
+            </a:r>
+          </a:p>
+          <a:p>
+            <a:pPr marL="1000125" lvl="3" indent="6350">
+              <a:buNone/>
+            </a:pPr>
+            <a:r>
+              <a:rPr lang="pt-BR" sz="2400" dirty="0" smtClean="0">
+                <a:solidFill>
+                  <a:srgbClr val="FFC000"/>
+                </a:solidFill>
+              </a:rPr>
+              <a:t>	</a:t>
+            </a:r>
+            <a:r>
               <a:rPr lang="pt-BR" sz="2400" dirty="0" err="1" smtClean="0">
                 <a:solidFill>
                   <a:srgbClr val="FFC000"/>
                 </a:solidFill>
               </a:rPr>
-              <a:t>public</a:t>
+              <a:t>private</a:t>
             </a:r>
             <a:r>
               <a:rPr lang="pt-BR" sz="2400" dirty="0" smtClean="0">
@@ -9536,7 +9235,7 @@
                   <a:srgbClr val="FFC000"/>
                 </a:solidFill>
               </a:rPr>
-              <a:t>class</a:t>
+              <a:t>DiaDaSemana</a:t>
             </a:r>
             <a:r>
               <a:rPr lang="pt-BR" sz="2400" dirty="0" smtClean="0">
@@ -9552,7 +9251,7 @@
                   <a:srgbClr val="FFC000"/>
                 </a:solidFill>
               </a:rPr>
-              <a:t>Funcionario</a:t>
+              <a:t>folgaSemanal</a:t>
             </a:r>
             <a:r>
               <a:rPr lang="pt-BR" sz="2400" dirty="0" smtClean="0">
@@ -9560,83 +9259,7 @@
                   <a:srgbClr val="FFC000"/>
                 </a:solidFill>
               </a:rPr>
-              <a:t> {</a:t>
-            </a:r>
-          </a:p>
-          <a:p>
-            <a:pPr marL="1000125" lvl="3" indent="6350">
-              <a:buFont typeface="Wingdings 2" pitchFamily="18" charset="2"/>
-              <a:buNone/>
-            </a:pPr>
-            <a:r>
-              <a:rPr lang="pt-BR" sz="2400" dirty="0" smtClean="0">
-                <a:solidFill>
-                  <a:srgbClr val="FFC000"/>
-                </a:solidFill>
-              </a:rPr>
-              <a:t>	</a:t>
-            </a:r>
-            <a:r>
-              <a:rPr lang="pt-BR" sz="2400" dirty="0" err="1" smtClean="0">
-                <a:solidFill>
-                  <a:srgbClr val="FFC000"/>
-                </a:solidFill>
-              </a:rPr>
-              <a:t>private</a:t>
-            </a:r>
-            <a:r>
-              <a:rPr lang="pt-BR" sz="2400" dirty="0" smtClean="0">
-                <a:solidFill>
-                  <a:srgbClr val="FFC000"/>
-                </a:solidFill>
-              </a:rPr>
-              <a:t> </a:t>
-            </a:r>
-            <a:r>
-              <a:rPr lang="pt-BR" sz="2400" dirty="0" err="1" smtClean="0">
-                <a:solidFill>
-                  <a:srgbClr val="FFC000"/>
-                </a:solidFill>
-              </a:rPr>
-              <a:t>int</a:t>
-            </a:r>
-            <a:r>
-              <a:rPr lang="pt-BR" sz="2400" dirty="0" smtClean="0">
-                <a:solidFill>
-                  <a:srgbClr val="FFC000"/>
-                </a:solidFill>
-              </a:rPr>
-              <a:t> matricula;</a:t>
-            </a:r>
-          </a:p>
-          <a:p>
-            <a:pPr marL="1000125" lvl="3" indent="6350">
-              <a:buFont typeface="Wingdings 2" pitchFamily="18" charset="2"/>
-              <a:buNone/>
-            </a:pPr>
-            <a:r>
-              <a:rPr lang="pt-BR" sz="2400" dirty="0" smtClean="0">
-                <a:solidFill>
-                  <a:srgbClr val="FFC000"/>
-                </a:solidFill>
-              </a:rPr>
-              <a:t>	</a:t>
-            </a:r>
-            <a:r>
-              <a:rPr lang="pt-BR" sz="2400" dirty="0" err="1" smtClean="0">
-                <a:solidFill>
-                  <a:srgbClr val="FFC000"/>
-                </a:solidFill>
-              </a:rPr>
-              <a:t>private</a:t>
-            </a:r>
-            <a:r>
-              <a:rPr lang="pt-BR" sz="2400" dirty="0" smtClean="0">
-                <a:solidFill>
-                  <a:srgbClr val="FFC000"/>
-                </a:solidFill>
-              </a:rPr>
-              <a:t> String nome;</a:t>
+              <a:t>;</a:t>
             </a:r>
           </a:p>
           <a:p>
@@ -9644,36 +9267,8 @@
               <a:buNone/>
             </a:pPr>
             <a:r>
-              <a:rPr lang="pt-BR" sz="2400" dirty="0" smtClean="0">
-                <a:solidFill>
-                  <a:srgbClr val="FFC000"/>
-                </a:solidFill>
-              </a:rPr>
-              <a:t>	</a:t>
-            </a:r>
-            <a:r>
-              <a:rPr lang="pt-BR" sz="2400" dirty="0" err="1" smtClean="0"/>
-              <a:t>private</a:t>
-            </a:r>
-            <a:r>
               <a:rPr lang="pt-BR" sz="2400" dirty="0" smtClean="0"/>
-              <a:t> </a:t>
-            </a:r>
-            <a:r>
-              <a:rPr lang="pt-BR" sz="2400" dirty="0" err="1" smtClean="0"/>
-              <a:t>DiaDaSemana</a:t>
-            </a:r>
-            <a:r>
-              <a:rPr lang="pt-BR" sz="2400" dirty="0" smtClean="0"/>
-              <a:t> </a:t>
-            </a:r>
-            <a:r>
-              <a:rPr lang="pt-BR" sz="2400" dirty="0" err="1" smtClean="0"/>
-              <a:t>folgaSemanal</a:t>
-            </a:r>
-            <a:r>
-              <a:rPr lang="pt-BR" sz="2400" dirty="0" smtClean="0"/>
-              <a:t>;</a:t>
+              <a:t>	...</a:t>
             </a:r>
           </a:p>
           <a:p>
@@ -9681,29 +9276,7 @@
               <a:buNone/>
             </a:pPr>
             <a:r>
-              <a:rPr lang="pt-BR" sz="2400" dirty="0" smtClean="0">
-                <a:solidFill>
-                  <a:srgbClr val="FFC000"/>
-                </a:solidFill>
-              </a:rPr>
-              <a:t>	...</a:t>
-            </a:r>
-            <a:endParaRPr lang="pt-BR" sz="2400" dirty="0" smtClean="0">
-              <a:solidFill>
-                <a:srgbClr val="FFC000"/>
-              </a:solidFill>
-            </a:endParaRPr>
-          </a:p>
-          <a:p>
-            <a:pPr marL="1000125" lvl="3" indent="6350">
-              <a:buNone/>
-            </a:pPr>
-            <a:r>
-              <a:rPr lang="pt-BR" sz="2400" dirty="0" smtClean="0">
-                <a:solidFill>
-                  <a:srgbClr val="FFC000"/>
-                </a:solidFill>
-              </a:rPr>
+              <a:rPr lang="pt-BR" sz="2400" dirty="0" smtClean="0"/>
               <a:t>}</a:t>
             </a:r>
           </a:p>

--- a/2-Java-Programmer-Modulo-II/04.Capitulo01.pptx
+++ b/2-Java-Programmer-Modulo-II/04.Capitulo01.pptx
@@ -259,7 +259,7 @@
               <a:pPr>
                 <a:defRPr/>
               </a:pPr>
-              <a:t>04/04/2012</a:t>
+              <a:t>16/04/2012</a:t>
             </a:fld>
             <a:endParaRPr lang="pt-BR"/>
           </a:p>
@@ -2366,7 +2366,7 @@
               <a:pPr>
                 <a:defRPr/>
               </a:pPr>
-              <a:t>04/04/2012</a:t>
+              <a:t>16/04/2012</a:t>
             </a:fld>
             <a:endParaRPr lang="pt-BR"/>
           </a:p>
@@ -2558,7 +2558,7 @@
               <a:pPr>
                 <a:defRPr/>
               </a:pPr>
-              <a:t>04/04/2012</a:t>
+              <a:t>16/04/2012</a:t>
             </a:fld>
             <a:endParaRPr lang="pt-BR"/>
           </a:p>
@@ -2760,7 +2760,7 @@
               <a:pPr>
                 <a:defRPr/>
               </a:pPr>
-              <a:t>04/04/2012</a:t>
+              <a:t>16/04/2012</a:t>
             </a:fld>
             <a:endParaRPr lang="pt-BR"/>
           </a:p>
@@ -2956,7 +2956,7 @@
               <a:pPr>
                 <a:defRPr/>
               </a:pPr>
-              <a:t>04/04/2012</a:t>
+              <a:t>16/04/2012</a:t>
             </a:fld>
             <a:endParaRPr lang="pt-BR"/>
           </a:p>
@@ -3462,7 +3462,7 @@
               <a:pPr>
                 <a:defRPr/>
               </a:pPr>
-              <a:t>04/04/2012</a:t>
+              <a:t>16/04/2012</a:t>
             </a:fld>
             <a:endParaRPr lang="pt-BR"/>
           </a:p>
@@ -3753,7 +3753,7 @@
               <a:pPr>
                 <a:defRPr/>
               </a:pPr>
-              <a:t>04/04/2012</a:t>
+              <a:t>16/04/2012</a:t>
             </a:fld>
             <a:endParaRPr lang="pt-BR"/>
           </a:p>
@@ -4154,7 +4154,7 @@
               <a:pPr>
                 <a:defRPr/>
               </a:pPr>
-              <a:t>04/04/2012</a:t>
+              <a:t>16/04/2012</a:t>
             </a:fld>
             <a:endParaRPr lang="pt-BR"/>
           </a:p>
@@ -4303,7 +4303,7 @@
               <a:pPr>
                 <a:defRPr/>
               </a:pPr>
-              <a:t>04/04/2012</a:t>
+              <a:t>16/04/2012</a:t>
             </a:fld>
             <a:endParaRPr lang="pt-BR"/>
           </a:p>
@@ -4420,7 +4420,7 @@
               <a:pPr>
                 <a:defRPr/>
               </a:pPr>
-              <a:t>04/04/2012</a:t>
+              <a:t>16/04/2012</a:t>
             </a:fld>
             <a:endParaRPr lang="pt-BR"/>
           </a:p>
@@ -4696,7 +4696,7 @@
               <a:pPr>
                 <a:defRPr/>
               </a:pPr>
-              <a:t>04/04/2012</a:t>
+              <a:t>16/04/2012</a:t>
             </a:fld>
             <a:endParaRPr lang="pt-BR"/>
           </a:p>
@@ -4980,7 +4980,7 @@
               <a:pPr>
                 <a:defRPr/>
               </a:pPr>
-              <a:t>04/04/2012</a:t>
+              <a:t>16/04/2012</a:t>
             </a:fld>
             <a:endParaRPr lang="pt-BR"/>
           </a:p>
@@ -5458,7 +5458,7 @@
               <a:pPr>
                 <a:defRPr/>
               </a:pPr>
-              <a:t>04/04/2012</a:t>
+              <a:t>16/04/2012</a:t>
             </a:fld>
             <a:endParaRPr lang="pt-BR"/>
           </a:p>
@@ -8557,8 +8557,8 @@
         </p:nvSpPr>
         <p:spPr>
           <a:xfrm>
-            <a:off x="817044" y="1341438"/>
-            <a:ext cx="7427364" cy="4525962"/>
+            <a:off x="457004" y="1341438"/>
+            <a:ext cx="8147444" cy="4525962"/>
           </a:xfrm>
         </p:spPr>
         <p:txBody>
@@ -8566,26 +8566,29 @@
           <a:lstStyle/>
           <a:p>
             <a:pPr marL="0" indent="0" eaLnBrk="1" hangingPunct="1">
+              <a:spcBef>
+                <a:spcPts val="0"/>
+              </a:spcBef>
               <a:buNone/>
             </a:pPr>
             <a:r>
-              <a:rPr lang="pt-BR" sz="1800" dirty="0" err="1" smtClean="0"/>
+              <a:rPr lang="pt-BR" sz="2000" dirty="0" err="1" smtClean="0"/>
               <a:t>public</a:t>
             </a:r>
             <a:r>
-              <a:rPr lang="pt-BR" sz="1800" dirty="0" smtClean="0"/>
+              <a:rPr lang="pt-BR" sz="2000" dirty="0" smtClean="0"/>
               <a:t> </a:t>
             </a:r>
             <a:r>
-              <a:rPr lang="pt-BR" sz="1800" b="1" u="sng" dirty="0" err="1" smtClean="0"/>
+              <a:rPr lang="pt-BR" sz="2000" b="1" u="sng" dirty="0" err="1" smtClean="0"/>
               <a:t>enum</a:t>
             </a:r>
             <a:r>
-              <a:rPr lang="pt-BR" sz="1800" dirty="0" smtClean="0"/>
+              <a:rPr lang="pt-BR" sz="2000" dirty="0" smtClean="0"/>
               <a:t> </a:t>
             </a:r>
             <a:r>
-              <a:rPr lang="pt-BR" sz="1800" dirty="0" err="1" smtClean="0">
+              <a:rPr lang="pt-BR" sz="2000" dirty="0" err="1" smtClean="0">
                 <a:solidFill>
                   <a:srgbClr val="FFC000"/>
                 </a:solidFill>
@@ -8593,20 +8596,23 @@
               <a:t>DiaDaSemana</a:t>
             </a:r>
             <a:r>
-              <a:rPr lang="pt-BR" sz="1800" dirty="0" smtClean="0"/>
+              <a:rPr lang="pt-BR" sz="2000" dirty="0" smtClean="0"/>
               <a:t> {</a:t>
             </a:r>
           </a:p>
           <a:p>
             <a:pPr marL="0" indent="0" eaLnBrk="1" hangingPunct="1">
+              <a:spcBef>
+                <a:spcPts val="0"/>
+              </a:spcBef>
               <a:buNone/>
             </a:pPr>
             <a:r>
-              <a:rPr lang="pt-BR" sz="1800" dirty="0" smtClean="0"/>
+              <a:rPr lang="pt-BR" sz="2000" dirty="0" smtClean="0"/>
               <a:t>	</a:t>
             </a:r>
             <a:r>
-              <a:rPr lang="pt-BR" sz="1800" dirty="0" smtClean="0">
+              <a:rPr lang="pt-BR" sz="2000" dirty="0" smtClean="0">
                 <a:solidFill>
                   <a:srgbClr val="FFC000"/>
                 </a:solidFill>
@@ -8614,7 +8620,7 @@
               <a:t>SEGUNDA(1, “segunda-feira”, “</a:t>
             </a:r>
             <a:r>
-              <a:rPr lang="pt-BR" sz="1800" dirty="0" err="1" smtClean="0">
+              <a:rPr lang="pt-BR" sz="2000" dirty="0" err="1" smtClean="0">
                 <a:solidFill>
                   <a:srgbClr val="FFC000"/>
                 </a:solidFill>
@@ -8622,7 +8628,7 @@
               <a:t>seg</a:t>
             </a:r>
             <a:r>
-              <a:rPr lang="pt-BR" sz="1800" dirty="0" smtClean="0">
+              <a:rPr lang="pt-BR" sz="2000" dirty="0" smtClean="0">
                 <a:solidFill>
                   <a:srgbClr val="FFC000"/>
                 </a:solidFill>
@@ -8630,20 +8636,23 @@
               <a:t>”)</a:t>
             </a:r>
             <a:r>
-              <a:rPr lang="pt-BR" sz="1800" dirty="0" smtClean="0"/>
+              <a:rPr lang="pt-BR" sz="2000" dirty="0" smtClean="0"/>
               <a:t>,</a:t>
             </a:r>
           </a:p>
           <a:p>
             <a:pPr marL="0" indent="0" eaLnBrk="1" hangingPunct="1">
+              <a:spcBef>
+                <a:spcPts val="0"/>
+              </a:spcBef>
               <a:buNone/>
             </a:pPr>
             <a:r>
-              <a:rPr lang="pt-BR" sz="1800" dirty="0" smtClean="0"/>
+              <a:rPr lang="pt-BR" sz="2000" dirty="0" smtClean="0"/>
               <a:t>	</a:t>
             </a:r>
             <a:r>
-              <a:rPr lang="pt-BR" sz="1800" dirty="0" smtClean="0">
+              <a:rPr lang="pt-BR" sz="2000" dirty="0" smtClean="0">
                 <a:solidFill>
                   <a:srgbClr val="FFC000"/>
                 </a:solidFill>
@@ -8651,20 +8660,23 @@
               <a:t>...</a:t>
             </a:r>
             <a:r>
-              <a:rPr lang="pt-BR" sz="1800" dirty="0" smtClean="0"/>
+              <a:rPr lang="pt-BR" sz="2000" dirty="0" smtClean="0"/>
               <a:t>,</a:t>
             </a:r>
           </a:p>
           <a:p>
             <a:pPr marL="0" indent="0" eaLnBrk="1" hangingPunct="1">
+              <a:spcBef>
+                <a:spcPts val="0"/>
+              </a:spcBef>
               <a:buNone/>
             </a:pPr>
             <a:r>
-              <a:rPr lang="pt-BR" sz="1800" dirty="0" smtClean="0"/>
+              <a:rPr lang="pt-BR" sz="2000" dirty="0" smtClean="0"/>
               <a:t>	</a:t>
             </a:r>
             <a:r>
-              <a:rPr lang="pt-BR" sz="1800" dirty="0" smtClean="0">
+              <a:rPr lang="pt-BR" sz="2000" dirty="0" smtClean="0">
                 <a:solidFill>
                   <a:srgbClr val="FFC000"/>
                 </a:solidFill>
@@ -8672,42 +8684,48 @@
               <a:t>DOMINGO(7, “domingo”, “dom”)</a:t>
             </a:r>
             <a:r>
-              <a:rPr lang="pt-BR" sz="1800" dirty="0" smtClean="0"/>
+              <a:rPr lang="pt-BR" sz="2000" dirty="0" smtClean="0"/>
               <a:t>;</a:t>
             </a:r>
           </a:p>
           <a:p>
             <a:pPr marL="0" indent="0" eaLnBrk="1" hangingPunct="1">
+              <a:spcBef>
+                <a:spcPts val="0"/>
+              </a:spcBef>
               <a:buNone/>
             </a:pPr>
-            <a:endParaRPr lang="pt-BR" sz="1800" dirty="0" smtClean="0"/>
+            <a:endParaRPr lang="pt-BR" sz="2000" dirty="0" smtClean="0"/>
           </a:p>
           <a:p>
             <a:pPr marL="0" indent="0" eaLnBrk="1" hangingPunct="1">
+              <a:spcBef>
+                <a:spcPts val="0"/>
+              </a:spcBef>
               <a:buNone/>
             </a:pPr>
             <a:r>
-              <a:rPr lang="pt-BR" sz="1800" dirty="0" smtClean="0"/>
+              <a:rPr lang="pt-BR" sz="2000" dirty="0" smtClean="0"/>
               <a:t>	</a:t>
             </a:r>
             <a:r>
-              <a:rPr lang="pt-BR" sz="1800" dirty="0" err="1" smtClean="0"/>
+              <a:rPr lang="pt-BR" sz="2000" dirty="0" err="1" smtClean="0"/>
               <a:t>private</a:t>
             </a:r>
             <a:r>
-              <a:rPr lang="pt-BR" sz="1800" dirty="0" smtClean="0"/>
+              <a:rPr lang="pt-BR" sz="2000" dirty="0" smtClean="0"/>
               <a:t> </a:t>
             </a:r>
             <a:r>
-              <a:rPr lang="pt-BR" sz="1800" dirty="0" err="1" smtClean="0"/>
+              <a:rPr lang="pt-BR" sz="2000" dirty="0" err="1" smtClean="0"/>
               <a:t>int</a:t>
             </a:r>
             <a:r>
-              <a:rPr lang="pt-BR" sz="1800" dirty="0" smtClean="0"/>
+              <a:rPr lang="pt-BR" sz="2000" dirty="0" smtClean="0"/>
               <a:t> </a:t>
             </a:r>
             <a:r>
-              <a:rPr lang="pt-BR" sz="1800" dirty="0" smtClean="0">
+              <a:rPr lang="pt-BR" sz="2000" dirty="0" smtClean="0">
                 <a:solidFill>
                   <a:srgbClr val="FFC000"/>
                 </a:solidFill>
@@ -8715,28 +8733,31 @@
               <a:t>numero</a:t>
             </a:r>
             <a:r>
-              <a:rPr lang="pt-BR" sz="1800" dirty="0" smtClean="0"/>
+              <a:rPr lang="pt-BR" sz="2000" dirty="0" smtClean="0"/>
               <a:t>;</a:t>
             </a:r>
           </a:p>
           <a:p>
             <a:pPr marL="0" indent="0" eaLnBrk="1" hangingPunct="1">
+              <a:spcBef>
+                <a:spcPts val="0"/>
+              </a:spcBef>
               <a:buNone/>
             </a:pPr>
             <a:r>
-              <a:rPr lang="pt-BR" sz="1800" dirty="0" smtClean="0"/>
+              <a:rPr lang="pt-BR" sz="2000" dirty="0" smtClean="0"/>
               <a:t>	</a:t>
             </a:r>
             <a:r>
-              <a:rPr lang="pt-BR" sz="1800" dirty="0" err="1" smtClean="0"/>
+              <a:rPr lang="pt-BR" sz="2000" dirty="0" err="1" smtClean="0"/>
               <a:t>private</a:t>
             </a:r>
             <a:r>
-              <a:rPr lang="pt-BR" sz="1800" dirty="0" smtClean="0"/>
+              <a:rPr lang="pt-BR" sz="2000" dirty="0" smtClean="0"/>
               <a:t> String </a:t>
             </a:r>
             <a:r>
-              <a:rPr lang="pt-BR" sz="1800" dirty="0" smtClean="0">
+              <a:rPr lang="pt-BR" sz="2000" dirty="0" smtClean="0">
                 <a:solidFill>
                   <a:srgbClr val="FFC000"/>
                 </a:solidFill>
@@ -8744,28 +8765,31 @@
               <a:t>nome</a:t>
             </a:r>
             <a:r>
-              <a:rPr lang="pt-BR" sz="1800" dirty="0" smtClean="0"/>
+              <a:rPr lang="pt-BR" sz="2000" dirty="0" smtClean="0"/>
               <a:t>;</a:t>
             </a:r>
           </a:p>
           <a:p>
             <a:pPr marL="0" indent="0" eaLnBrk="1" hangingPunct="1">
+              <a:spcBef>
+                <a:spcPts val="0"/>
+              </a:spcBef>
               <a:buNone/>
             </a:pPr>
             <a:r>
-              <a:rPr lang="pt-BR" sz="1800" dirty="0" smtClean="0"/>
+              <a:rPr lang="pt-BR" sz="2000" dirty="0" smtClean="0"/>
               <a:t>	</a:t>
             </a:r>
             <a:r>
-              <a:rPr lang="pt-BR" sz="1800" dirty="0" err="1" smtClean="0"/>
+              <a:rPr lang="pt-BR" sz="2000" dirty="0" err="1" smtClean="0"/>
               <a:t>private</a:t>
             </a:r>
             <a:r>
-              <a:rPr lang="pt-BR" sz="1800" dirty="0" smtClean="0"/>
+              <a:rPr lang="pt-BR" sz="2000" dirty="0" smtClean="0"/>
               <a:t> String </a:t>
             </a:r>
             <a:r>
-              <a:rPr lang="pt-BR" sz="1800" dirty="0" err="1" smtClean="0">
+              <a:rPr lang="pt-BR" sz="2000" dirty="0" err="1" smtClean="0">
                 <a:solidFill>
                   <a:srgbClr val="FFC000"/>
                 </a:solidFill>
@@ -8773,34 +8797,40 @@
               <a:t>nomeAbreviado</a:t>
             </a:r>
             <a:r>
-              <a:rPr lang="pt-BR" sz="1800" dirty="0" smtClean="0"/>
+              <a:rPr lang="pt-BR" sz="2000" dirty="0" smtClean="0"/>
               <a:t>;</a:t>
             </a:r>
           </a:p>
           <a:p>
             <a:pPr marL="0" indent="0" eaLnBrk="1" hangingPunct="1">
+              <a:spcBef>
+                <a:spcPts val="0"/>
+              </a:spcBef>
               <a:buNone/>
             </a:pPr>
-            <a:endParaRPr lang="pt-BR" sz="1800" dirty="0" smtClean="0"/>
+            <a:endParaRPr lang="pt-BR" sz="2000" dirty="0" smtClean="0"/>
           </a:p>
           <a:p>
             <a:pPr marL="0" indent="0" eaLnBrk="1" hangingPunct="1">
+              <a:spcBef>
+                <a:spcPts val="0"/>
+              </a:spcBef>
               <a:buNone/>
             </a:pPr>
             <a:r>
-              <a:rPr lang="pt-BR" sz="1800" dirty="0" smtClean="0"/>
+              <a:rPr lang="pt-BR" sz="2000" dirty="0" smtClean="0"/>
               <a:t>	</a:t>
             </a:r>
             <a:r>
-              <a:rPr lang="pt-BR" sz="1800" dirty="0" err="1" smtClean="0"/>
+              <a:rPr lang="pt-BR" sz="2000" dirty="0" err="1" smtClean="0"/>
               <a:t>private</a:t>
             </a:r>
             <a:r>
-              <a:rPr lang="pt-BR" sz="1800" dirty="0" smtClean="0"/>
+              <a:rPr lang="pt-BR" sz="2000" dirty="0" smtClean="0"/>
               <a:t> </a:t>
             </a:r>
             <a:r>
-              <a:rPr lang="pt-BR" sz="1800" dirty="0" err="1" smtClean="0">
+              <a:rPr lang="pt-BR" sz="2000" dirty="0" err="1" smtClean="0">
                 <a:solidFill>
                   <a:srgbClr val="FFC000"/>
                 </a:solidFill>
@@ -8808,7 +8838,7 @@
               <a:t>DiaDaSemana</a:t>
             </a:r>
             <a:r>
-              <a:rPr lang="pt-BR" sz="1800" dirty="0" smtClean="0">
+              <a:rPr lang="pt-BR" sz="2000" dirty="0" smtClean="0">
                 <a:solidFill>
                   <a:srgbClr val="FFC000"/>
                 </a:solidFill>
@@ -8816,19 +8846,19 @@
               <a:t>(</a:t>
             </a:r>
             <a:r>
-              <a:rPr lang="pt-BR" sz="1800" dirty="0" err="1" smtClean="0"/>
+              <a:rPr lang="pt-BR" sz="2000" dirty="0" err="1" smtClean="0"/>
               <a:t>int</a:t>
             </a:r>
             <a:r>
-              <a:rPr lang="pt-BR" sz="1800" dirty="0" smtClean="0"/>
+              <a:rPr lang="pt-BR" sz="2000" dirty="0" smtClean="0"/>
               <a:t> numero, String nome, String </a:t>
             </a:r>
             <a:r>
-              <a:rPr lang="pt-BR" sz="1800" dirty="0" err="1" smtClean="0"/>
+              <a:rPr lang="pt-BR" sz="2000" dirty="0" err="1" smtClean="0"/>
               <a:t>abrev</a:t>
             </a:r>
             <a:r>
-              <a:rPr lang="pt-BR" sz="1800" dirty="0" smtClean="0">
+              <a:rPr lang="pt-BR" sz="2000" dirty="0" smtClean="0">
                 <a:solidFill>
                   <a:srgbClr val="FFC000"/>
                 </a:solidFill>
@@ -8836,28 +8866,31 @@
               <a:t>) </a:t>
             </a:r>
             <a:r>
-              <a:rPr lang="pt-BR" sz="1800" dirty="0" smtClean="0"/>
+              <a:rPr lang="pt-BR" sz="2000" dirty="0" smtClean="0"/>
               <a:t>{</a:t>
             </a:r>
           </a:p>
           <a:p>
             <a:pPr marL="0" indent="0" eaLnBrk="1" hangingPunct="1">
+              <a:spcBef>
+                <a:spcPts val="0"/>
+              </a:spcBef>
               <a:buNone/>
             </a:pPr>
             <a:r>
-              <a:rPr lang="pt-BR" sz="1800" dirty="0" smtClean="0"/>
+              <a:rPr lang="pt-BR" sz="2000" dirty="0" smtClean="0"/>
               <a:t>		</a:t>
             </a:r>
             <a:r>
-              <a:rPr lang="pt-BR" sz="1800" dirty="0" err="1" smtClean="0"/>
+              <a:rPr lang="pt-BR" sz="2000" dirty="0" err="1" smtClean="0"/>
               <a:t>this</a:t>
             </a:r>
             <a:r>
-              <a:rPr lang="pt-BR" sz="1800" dirty="0" smtClean="0"/>
+              <a:rPr lang="pt-BR" sz="2000" dirty="0" smtClean="0"/>
               <a:t>.</a:t>
             </a:r>
             <a:r>
-              <a:rPr lang="pt-BR" sz="1800" dirty="0" smtClean="0">
+              <a:rPr lang="pt-BR" sz="2000" dirty="0" smtClean="0">
                 <a:solidFill>
                   <a:srgbClr val="FFC000"/>
                 </a:solidFill>
@@ -8865,28 +8898,31 @@
               <a:t>numero</a:t>
             </a:r>
             <a:r>
-              <a:rPr lang="pt-BR" sz="1800" dirty="0" smtClean="0"/>
+              <a:rPr lang="pt-BR" sz="2000" dirty="0" smtClean="0"/>
               <a:t> = numero;</a:t>
             </a:r>
           </a:p>
           <a:p>
             <a:pPr marL="0" indent="0" eaLnBrk="1" hangingPunct="1">
+              <a:spcBef>
+                <a:spcPts val="0"/>
+              </a:spcBef>
               <a:buNone/>
             </a:pPr>
             <a:r>
-              <a:rPr lang="pt-BR" sz="1800" dirty="0" smtClean="0"/>
+              <a:rPr lang="pt-BR" sz="2000" dirty="0" smtClean="0"/>
               <a:t>		</a:t>
             </a:r>
             <a:r>
-              <a:rPr lang="pt-BR" sz="1800" dirty="0" err="1" smtClean="0"/>
+              <a:rPr lang="pt-BR" sz="2000" dirty="0" err="1" smtClean="0"/>
               <a:t>this</a:t>
             </a:r>
             <a:r>
-              <a:rPr lang="pt-BR" sz="1800" dirty="0" smtClean="0"/>
+              <a:rPr lang="pt-BR" sz="2000" dirty="0" smtClean="0"/>
               <a:t>.</a:t>
             </a:r>
             <a:r>
-              <a:rPr lang="pt-BR" sz="1800" dirty="0" smtClean="0">
+              <a:rPr lang="pt-BR" sz="2000" dirty="0" smtClean="0">
                 <a:solidFill>
                   <a:srgbClr val="FFC000"/>
                 </a:solidFill>
@@ -8894,28 +8930,31 @@
               <a:t>nome </a:t>
             </a:r>
             <a:r>
-              <a:rPr lang="pt-BR" sz="1800" dirty="0" smtClean="0"/>
+              <a:rPr lang="pt-BR" sz="2000" dirty="0" smtClean="0"/>
               <a:t>= nome;</a:t>
             </a:r>
           </a:p>
           <a:p>
             <a:pPr marL="0" indent="0" eaLnBrk="1" hangingPunct="1">
+              <a:spcBef>
+                <a:spcPts val="0"/>
+              </a:spcBef>
               <a:buNone/>
             </a:pPr>
             <a:r>
-              <a:rPr lang="pt-BR" sz="1800" dirty="0" smtClean="0"/>
+              <a:rPr lang="pt-BR" sz="2000" dirty="0" smtClean="0"/>
               <a:t>		</a:t>
             </a:r>
             <a:r>
-              <a:rPr lang="pt-BR" sz="1800" dirty="0" err="1" smtClean="0"/>
+              <a:rPr lang="pt-BR" sz="2000" dirty="0" err="1" smtClean="0"/>
               <a:t>this</a:t>
             </a:r>
             <a:r>
-              <a:rPr lang="pt-BR" sz="1800" dirty="0" smtClean="0"/>
+              <a:rPr lang="pt-BR" sz="2000" dirty="0" smtClean="0"/>
               <a:t>.</a:t>
             </a:r>
             <a:r>
-              <a:rPr lang="pt-BR" sz="1800" dirty="0" err="1" smtClean="0">
+              <a:rPr lang="pt-BR" sz="2000" dirty="0" err="1" smtClean="0">
                 <a:solidFill>
                   <a:srgbClr val="FFC000"/>
                 </a:solidFill>
@@ -8923,42 +8962,51 @@
               <a:t>nomeAbreviado</a:t>
             </a:r>
             <a:r>
-              <a:rPr lang="pt-BR" sz="1800" dirty="0" smtClean="0"/>
+              <a:rPr lang="pt-BR" sz="2000" dirty="0" smtClean="0"/>
               <a:t> = </a:t>
             </a:r>
             <a:r>
-              <a:rPr lang="pt-BR" sz="1800" dirty="0" err="1" smtClean="0"/>
+              <a:rPr lang="pt-BR" sz="2000" dirty="0" err="1" smtClean="0"/>
               <a:t>abrev</a:t>
             </a:r>
             <a:r>
-              <a:rPr lang="pt-BR" sz="1800" dirty="0" smtClean="0"/>
+              <a:rPr lang="pt-BR" sz="2000" dirty="0" smtClean="0"/>
               <a:t>;</a:t>
             </a:r>
           </a:p>
           <a:p>
             <a:pPr marL="0" indent="0" eaLnBrk="1" hangingPunct="1">
+              <a:spcBef>
+                <a:spcPts val="0"/>
+              </a:spcBef>
               <a:buNone/>
             </a:pPr>
             <a:r>
-              <a:rPr lang="pt-BR" sz="1800" dirty="0" smtClean="0"/>
+              <a:rPr lang="pt-BR" sz="2000" dirty="0" smtClean="0"/>
               <a:t>	}</a:t>
             </a:r>
           </a:p>
           <a:p>
             <a:pPr marL="0" indent="0" eaLnBrk="1" hangingPunct="1">
+              <a:spcBef>
+                <a:spcPts val="0"/>
+              </a:spcBef>
               <a:buNone/>
             </a:pPr>
             <a:r>
-              <a:rPr lang="pt-BR" sz="1800" dirty="0" smtClean="0"/>
+              <a:rPr lang="pt-BR" sz="2000" dirty="0" smtClean="0"/>
               <a:t>	... &lt;outros métodos&gt; ...</a:t>
             </a:r>
           </a:p>
           <a:p>
             <a:pPr marL="0" indent="0" eaLnBrk="1" hangingPunct="1">
+              <a:spcBef>
+                <a:spcPts val="0"/>
+              </a:spcBef>
               <a:buNone/>
             </a:pPr>
             <a:r>
-              <a:rPr lang="pt-BR" sz="1800" dirty="0" smtClean="0"/>
+              <a:rPr lang="pt-BR" sz="2000" dirty="0" smtClean="0"/>
               <a:t>}</a:t>
             </a:r>
           </a:p>
@@ -9328,9 +9376,6 @@
                     <p:cTn id="3" fill="hold">
                       <p:stCondLst>
                         <p:cond delay="indefinite"/>
-                        <p:cond evt="onBegin" delay="0">
-                          <p:tn val="2"/>
-                        </p:cond>
                       </p:stCondLst>
                       <p:childTnLst>
                         <p:par>
@@ -9340,7 +9385,7 @@
                             </p:stCondLst>
                             <p:childTnLst>
                               <p:par>
-                                <p:cTn id="5" presetID="2" presetClass="entr" presetSubtype="2" fill="hold" nodeType="withEffect">
+                                <p:cTn id="5" presetID="2" presetClass="entr" presetSubtype="2" fill="hold" nodeType="clickEffect">
                                   <p:stCondLst>
                                     <p:cond delay="0"/>
                                   </p:stCondLst>
@@ -9486,91 +9531,6 @@
                                           <p:spTgt spid="10243">
                                             <p:txEl>
                                               <p:pRg st="6" end="6"/>
-                                            </p:txEl>
-                                          </p:spTgt>
-                                        </p:tgtEl>
-                                        <p:attrNameLst>
-                                          <p:attrName>ppt_y</p:attrName>
-                                        </p:attrNameLst>
-                                      </p:cBhvr>
-                                      <p:tavLst>
-                                        <p:tav tm="0">
-                                          <p:val>
-                                            <p:strVal val="#ppt_y"/>
-                                          </p:val>
-                                        </p:tav>
-                                        <p:tav tm="100000">
-                                          <p:val>
-                                            <p:strVal val="#ppt_y"/>
-                                          </p:val>
-                                        </p:tav>
-                                      </p:tavLst>
-                                    </p:anim>
-                                  </p:childTnLst>
-                                </p:cTn>
-                              </p:par>
-                              <p:par>
-                                <p:cTn id="13" presetID="2" presetClass="entr" presetSubtype="2" fill="hold" nodeType="withEffect">
-                                  <p:stCondLst>
-                                    <p:cond delay="0"/>
-                                  </p:stCondLst>
-                                  <p:childTnLst>
-                                    <p:set>
-                                      <p:cBhvr>
-                                        <p:cTn id="14" dur="1" fill="hold">
-                                          <p:stCondLst>
-                                            <p:cond delay="0"/>
-                                          </p:stCondLst>
-                                        </p:cTn>
-                                        <p:tgtEl>
-                                          <p:spTgt spid="10243">
-                                            <p:txEl>
-                                              <p:pRg st="7" end="7"/>
-                                            </p:txEl>
-                                          </p:spTgt>
-                                        </p:tgtEl>
-                                        <p:attrNameLst>
-                                          <p:attrName>style.visibility</p:attrName>
-                                        </p:attrNameLst>
-                                      </p:cBhvr>
-                                      <p:to>
-                                        <p:strVal val="visible"/>
-                                      </p:to>
-                                    </p:set>
-                                    <p:anim calcmode="lin" valueType="num">
-                                      <p:cBhvr additive="base">
-                                        <p:cTn id="15" dur="500" fill="hold"/>
-                                        <p:tgtEl>
-                                          <p:spTgt spid="10243">
-                                            <p:txEl>
-                                              <p:pRg st="7" end="7"/>
-                                            </p:txEl>
-                                          </p:spTgt>
-                                        </p:tgtEl>
-                                        <p:attrNameLst>
-                                          <p:attrName>ppt_x</p:attrName>
-                                        </p:attrNameLst>
-                                      </p:cBhvr>
-                                      <p:tavLst>
-                                        <p:tav tm="0">
-                                          <p:val>
-                                            <p:strVal val="1+#ppt_w/2"/>
-                                          </p:val>
-                                        </p:tav>
-                                        <p:tav tm="100000">
-                                          <p:val>
-                                            <p:strVal val="#ppt_x"/>
-                                          </p:val>
-                                        </p:tav>
-                                      </p:tavLst>
-                                    </p:anim>
-                                    <p:anim calcmode="lin" valueType="num">
-                                      <p:cBhvr additive="base">
-                                        <p:cTn id="16" dur="500" fill="hold"/>
-                                        <p:tgtEl>
-                                          <p:spTgt spid="10243">
-                                            <p:txEl>
-                                              <p:pRg st="7" end="7"/>
                                             </p:txEl>
                                           </p:spTgt>
                                         </p:tgtEl>

--- a/2-Java-Programmer-Modulo-II/04.Capitulo01.pptx
+++ b/2-Java-Programmer-Modulo-II/04.Capitulo01.pptx
@@ -259,7 +259,7 @@
               <a:pPr>
                 <a:defRPr/>
               </a:pPr>
-              <a:t>16/04/2012</a:t>
+              <a:t>05/05/2012</a:t>
             </a:fld>
             <a:endParaRPr lang="pt-BR"/>
           </a:p>
@@ -2366,7 +2366,7 @@
               <a:pPr>
                 <a:defRPr/>
               </a:pPr>
-              <a:t>16/04/2012</a:t>
+              <a:t>05/05/2012</a:t>
             </a:fld>
             <a:endParaRPr lang="pt-BR"/>
           </a:p>
@@ -2558,7 +2558,7 @@
               <a:pPr>
                 <a:defRPr/>
               </a:pPr>
-              <a:t>16/04/2012</a:t>
+              <a:t>05/05/2012</a:t>
             </a:fld>
             <a:endParaRPr lang="pt-BR"/>
           </a:p>
@@ -2760,7 +2760,7 @@
               <a:pPr>
                 <a:defRPr/>
               </a:pPr>
-              <a:t>16/04/2012</a:t>
+              <a:t>05/05/2012</a:t>
             </a:fld>
             <a:endParaRPr lang="pt-BR"/>
           </a:p>
@@ -2956,7 +2956,7 @@
               <a:pPr>
                 <a:defRPr/>
               </a:pPr>
-              <a:t>16/04/2012</a:t>
+              <a:t>05/05/2012</a:t>
             </a:fld>
             <a:endParaRPr lang="pt-BR"/>
           </a:p>
@@ -3462,7 +3462,7 @@
               <a:pPr>
                 <a:defRPr/>
               </a:pPr>
-              <a:t>16/04/2012</a:t>
+              <a:t>05/05/2012</a:t>
             </a:fld>
             <a:endParaRPr lang="pt-BR"/>
           </a:p>
@@ -3753,7 +3753,7 @@
               <a:pPr>
                 <a:defRPr/>
               </a:pPr>
-              <a:t>16/04/2012</a:t>
+              <a:t>05/05/2012</a:t>
             </a:fld>
             <a:endParaRPr lang="pt-BR"/>
           </a:p>
@@ -4154,7 +4154,7 @@
               <a:pPr>
                 <a:defRPr/>
               </a:pPr>
-              <a:t>16/04/2012</a:t>
+              <a:t>05/05/2012</a:t>
             </a:fld>
             <a:endParaRPr lang="pt-BR"/>
           </a:p>
@@ -4303,7 +4303,7 @@
               <a:pPr>
                 <a:defRPr/>
               </a:pPr>
-              <a:t>16/04/2012</a:t>
+              <a:t>05/05/2012</a:t>
             </a:fld>
             <a:endParaRPr lang="pt-BR"/>
           </a:p>
@@ -4420,7 +4420,7 @@
               <a:pPr>
                 <a:defRPr/>
               </a:pPr>
-              <a:t>16/04/2012</a:t>
+              <a:t>05/05/2012</a:t>
             </a:fld>
             <a:endParaRPr lang="pt-BR"/>
           </a:p>
@@ -4696,7 +4696,7 @@
               <a:pPr>
                 <a:defRPr/>
               </a:pPr>
-              <a:t>16/04/2012</a:t>
+              <a:t>05/05/2012</a:t>
             </a:fld>
             <a:endParaRPr lang="pt-BR"/>
           </a:p>
@@ -4980,7 +4980,7 @@
               <a:pPr>
                 <a:defRPr/>
               </a:pPr>
-              <a:t>16/04/2012</a:t>
+              <a:t>05/05/2012</a:t>
             </a:fld>
             <a:endParaRPr lang="pt-BR"/>
           </a:p>
@@ -5458,7 +5458,7 @@
               <a:pPr>
                 <a:defRPr/>
               </a:pPr>
-              <a:t>16/04/2012</a:t>
+              <a:t>05/05/2012</a:t>
             </a:fld>
             <a:endParaRPr lang="pt-BR"/>
           </a:p>
@@ -6040,7 +6040,17 @@
               <a:rPr lang="pt-BR" cap="none" dirty="0" smtClean="0"/>
               <a:t>Tipo enumerado</a:t>
             </a:r>
-            <a:endParaRPr lang="pt-BR" cap="none" dirty="0"/>
+            <a:br>
+              <a:rPr lang="pt-BR" cap="none" dirty="0" smtClean="0"/>
+            </a:br>
+            <a:r>
+              <a:rPr lang="pt-BR" sz="1800" cap="none" dirty="0" smtClean="0"/>
+              <a:t>Pág. 34 a 36</a:t>
+            </a:r>
+            <a:br>
+              <a:rPr lang="pt-BR" sz="1800" cap="none" dirty="0" smtClean="0"/>
+            </a:br>
+            <a:endParaRPr lang="pt-BR" sz="1800" cap="none" dirty="0"/>
           </a:p>
         </p:txBody>
       </p:sp>

--- a/2-Java-Programmer-Modulo-II/04.Capitulo01.pptx
+++ b/2-Java-Programmer-Modulo-II/04.Capitulo01.pptx
@@ -259,7 +259,7 @@
               <a:pPr>
                 <a:defRPr/>
               </a:pPr>
-              <a:t>05/05/2012</a:t>
+              <a:t>30/6/2012</a:t>
             </a:fld>
             <a:endParaRPr lang="pt-BR"/>
           </a:p>
@@ -2366,7 +2366,7 @@
               <a:pPr>
                 <a:defRPr/>
               </a:pPr>
-              <a:t>05/05/2012</a:t>
+              <a:t>30/6/2012</a:t>
             </a:fld>
             <a:endParaRPr lang="pt-BR"/>
           </a:p>
@@ -2558,7 +2558,7 @@
               <a:pPr>
                 <a:defRPr/>
               </a:pPr>
-              <a:t>05/05/2012</a:t>
+              <a:t>30/6/2012</a:t>
             </a:fld>
             <a:endParaRPr lang="pt-BR"/>
           </a:p>
@@ -2760,7 +2760,7 @@
               <a:pPr>
                 <a:defRPr/>
               </a:pPr>
-              <a:t>05/05/2012</a:t>
+              <a:t>30/6/2012</a:t>
             </a:fld>
             <a:endParaRPr lang="pt-BR"/>
           </a:p>
@@ -2956,7 +2956,7 @@
               <a:pPr>
                 <a:defRPr/>
               </a:pPr>
-              <a:t>05/05/2012</a:t>
+              <a:t>30/6/2012</a:t>
             </a:fld>
             <a:endParaRPr lang="pt-BR"/>
           </a:p>
@@ -3462,7 +3462,7 @@
               <a:pPr>
                 <a:defRPr/>
               </a:pPr>
-              <a:t>05/05/2012</a:t>
+              <a:t>30/6/2012</a:t>
             </a:fld>
             <a:endParaRPr lang="pt-BR"/>
           </a:p>
@@ -3753,7 +3753,7 @@
               <a:pPr>
                 <a:defRPr/>
               </a:pPr>
-              <a:t>05/05/2012</a:t>
+              <a:t>30/6/2012</a:t>
             </a:fld>
             <a:endParaRPr lang="pt-BR"/>
           </a:p>
@@ -4154,7 +4154,7 @@
               <a:pPr>
                 <a:defRPr/>
               </a:pPr>
-              <a:t>05/05/2012</a:t>
+              <a:t>30/6/2012</a:t>
             </a:fld>
             <a:endParaRPr lang="pt-BR"/>
           </a:p>
@@ -4303,7 +4303,7 @@
               <a:pPr>
                 <a:defRPr/>
               </a:pPr>
-              <a:t>05/05/2012</a:t>
+              <a:t>30/6/2012</a:t>
             </a:fld>
             <a:endParaRPr lang="pt-BR"/>
           </a:p>
@@ -4420,7 +4420,7 @@
               <a:pPr>
                 <a:defRPr/>
               </a:pPr>
-              <a:t>05/05/2012</a:t>
+              <a:t>30/6/2012</a:t>
             </a:fld>
             <a:endParaRPr lang="pt-BR"/>
           </a:p>
@@ -4696,7 +4696,7 @@
               <a:pPr>
                 <a:defRPr/>
               </a:pPr>
-              <a:t>05/05/2012</a:t>
+              <a:t>30/6/2012</a:t>
             </a:fld>
             <a:endParaRPr lang="pt-BR"/>
           </a:p>
@@ -4980,7 +4980,7 @@
               <a:pPr>
                 <a:defRPr/>
               </a:pPr>
-              <a:t>05/05/2012</a:t>
+              <a:t>30/6/2012</a:t>
             </a:fld>
             <a:endParaRPr lang="pt-BR"/>
           </a:p>
@@ -5458,7 +5458,7 @@
               <a:pPr>
                 <a:defRPr/>
               </a:pPr>
-              <a:t>05/05/2012</a:t>
+              <a:t>30/6/2012</a:t>
             </a:fld>
             <a:endParaRPr lang="pt-BR"/>
           </a:p>
@@ -7964,14 +7964,14 @@
           <a:p>
             <a:pPr eaLnBrk="1" hangingPunct="1"/>
             <a:r>
-              <a:rPr lang="pt-BR" sz="4400" dirty="0" smtClean="0"/>
+              <a:rPr lang="pt-BR" sz="4000" dirty="0" smtClean="0"/>
               <a:t>Atributos e métodos de uma </a:t>
             </a:r>
             <a:r>
-              <a:rPr lang="pt-BR" sz="4400" dirty="0" err="1" smtClean="0"/>
+              <a:rPr lang="pt-BR" sz="4000" dirty="0" err="1" smtClean="0"/>
               <a:t>enum</a:t>
             </a:r>
-            <a:endParaRPr lang="pt-BR" sz="4400" dirty="0" smtClean="0"/>
+            <a:endParaRPr lang="pt-BR" sz="4000" dirty="0" smtClean="0"/>
           </a:p>
         </p:txBody>
       </p:sp>
@@ -8342,14 +8342,14 @@
           <a:p>
             <a:pPr eaLnBrk="1" hangingPunct="1"/>
             <a:r>
-              <a:rPr lang="pt-BR" sz="4400" dirty="0" smtClean="0"/>
+              <a:rPr lang="pt-BR" sz="4000" dirty="0" smtClean="0"/>
               <a:t>Atributos e métodos de uma </a:t>
             </a:r>
             <a:r>
-              <a:rPr lang="pt-BR" sz="4400" dirty="0" err="1" smtClean="0"/>
+              <a:rPr lang="pt-BR" sz="4000" dirty="0" err="1" smtClean="0"/>
               <a:t>enum</a:t>
             </a:r>
-            <a:endParaRPr lang="pt-BR" sz="4400" dirty="0" smtClean="0"/>
+            <a:endParaRPr lang="pt-BR" sz="4000" dirty="0" smtClean="0"/>
           </a:p>
         </p:txBody>
       </p:sp>

--- a/2-Java-Programmer-Modulo-II/04.Capitulo01.pptx
+++ b/2-Java-Programmer-Modulo-II/04.Capitulo01.pptx
@@ -259,7 +259,7 @@
               <a:pPr>
                 <a:defRPr/>
               </a:pPr>
-              <a:t>30/6/2012</a:t>
+              <a:t>05/05/2012</a:t>
             </a:fld>
             <a:endParaRPr lang="pt-BR"/>
           </a:p>
@@ -2366,7 +2366,7 @@
               <a:pPr>
                 <a:defRPr/>
               </a:pPr>
-              <a:t>30/6/2012</a:t>
+              <a:t>05/05/2012</a:t>
             </a:fld>
             <a:endParaRPr lang="pt-BR"/>
           </a:p>
@@ -2558,7 +2558,7 @@
               <a:pPr>
                 <a:defRPr/>
               </a:pPr>
-              <a:t>30/6/2012</a:t>
+              <a:t>05/05/2012</a:t>
             </a:fld>
             <a:endParaRPr lang="pt-BR"/>
           </a:p>
@@ -2760,7 +2760,7 @@
               <a:pPr>
                 <a:defRPr/>
               </a:pPr>
-              <a:t>30/6/2012</a:t>
+              <a:t>05/05/2012</a:t>
             </a:fld>
             <a:endParaRPr lang="pt-BR"/>
           </a:p>
@@ -2956,7 +2956,7 @@
               <a:pPr>
                 <a:defRPr/>
               </a:pPr>
-              <a:t>30/6/2012</a:t>
+              <a:t>05/05/2012</a:t>
             </a:fld>
             <a:endParaRPr lang="pt-BR"/>
           </a:p>
@@ -3462,7 +3462,7 @@
               <a:pPr>
                 <a:defRPr/>
               </a:pPr>
-              <a:t>30/6/2012</a:t>
+              <a:t>05/05/2012</a:t>
             </a:fld>
             <a:endParaRPr lang="pt-BR"/>
           </a:p>
@@ -3753,7 +3753,7 @@
               <a:pPr>
                 <a:defRPr/>
               </a:pPr>
-              <a:t>30/6/2012</a:t>
+              <a:t>05/05/2012</a:t>
             </a:fld>
             <a:endParaRPr lang="pt-BR"/>
           </a:p>
@@ -4154,7 +4154,7 @@
               <a:pPr>
                 <a:defRPr/>
               </a:pPr>
-              <a:t>30/6/2012</a:t>
+              <a:t>05/05/2012</a:t>
             </a:fld>
             <a:endParaRPr lang="pt-BR"/>
           </a:p>
@@ -4303,7 +4303,7 @@
               <a:pPr>
                 <a:defRPr/>
               </a:pPr>
-              <a:t>30/6/2012</a:t>
+              <a:t>05/05/2012</a:t>
             </a:fld>
             <a:endParaRPr lang="pt-BR"/>
           </a:p>
@@ -4420,7 +4420,7 @@
               <a:pPr>
                 <a:defRPr/>
               </a:pPr>
-              <a:t>30/6/2012</a:t>
+              <a:t>05/05/2012</a:t>
             </a:fld>
             <a:endParaRPr lang="pt-BR"/>
           </a:p>
@@ -4696,7 +4696,7 @@
               <a:pPr>
                 <a:defRPr/>
               </a:pPr>
-              <a:t>30/6/2012</a:t>
+              <a:t>05/05/2012</a:t>
             </a:fld>
             <a:endParaRPr lang="pt-BR"/>
           </a:p>
@@ -4980,7 +4980,7 @@
               <a:pPr>
                 <a:defRPr/>
               </a:pPr>
-              <a:t>30/6/2012</a:t>
+              <a:t>05/05/2012</a:t>
             </a:fld>
             <a:endParaRPr lang="pt-BR"/>
           </a:p>
@@ -5458,7 +5458,7 @@
               <a:pPr>
                 <a:defRPr/>
               </a:pPr>
-              <a:t>30/6/2012</a:t>
+              <a:t>05/05/2012</a:t>
             </a:fld>
             <a:endParaRPr lang="pt-BR"/>
           </a:p>
@@ -7964,14 +7964,14 @@
           <a:p>
             <a:pPr eaLnBrk="1" hangingPunct="1"/>
             <a:r>
-              <a:rPr lang="pt-BR" sz="4000" dirty="0" smtClean="0"/>
+              <a:rPr lang="pt-BR" sz="4400" dirty="0" smtClean="0"/>
               <a:t>Atributos e métodos de uma </a:t>
             </a:r>
             <a:r>
-              <a:rPr lang="pt-BR" sz="4000" dirty="0" err="1" smtClean="0"/>
+              <a:rPr lang="pt-BR" sz="4400" dirty="0" err="1" smtClean="0"/>
               <a:t>enum</a:t>
             </a:r>
-            <a:endParaRPr lang="pt-BR" sz="4000" dirty="0" smtClean="0"/>
+            <a:endParaRPr lang="pt-BR" sz="4400" dirty="0" smtClean="0"/>
           </a:p>
         </p:txBody>
       </p:sp>
@@ -8342,14 +8342,14 @@
           <a:p>
             <a:pPr eaLnBrk="1" hangingPunct="1"/>
             <a:r>
-              <a:rPr lang="pt-BR" sz="4000" dirty="0" smtClean="0"/>
+              <a:rPr lang="pt-BR" sz="4400" dirty="0" smtClean="0"/>
               <a:t>Atributos e métodos de uma </a:t>
             </a:r>
             <a:r>
-              <a:rPr lang="pt-BR" sz="4000" dirty="0" err="1" smtClean="0"/>
+              <a:rPr lang="pt-BR" sz="4400" dirty="0" err="1" smtClean="0"/>
               <a:t>enum</a:t>
             </a:r>
-            <a:endParaRPr lang="pt-BR" sz="4000" dirty="0" smtClean="0"/>
+            <a:endParaRPr lang="pt-BR" sz="4400" dirty="0" smtClean="0"/>
           </a:p>
         </p:txBody>
       </p:sp>

--- a/2-Java-Programmer-Modulo-II/04.Capitulo01.pptx
+++ b/2-Java-Programmer-Modulo-II/04.Capitulo01.pptx
@@ -259,7 +259,7 @@
               <a:pPr>
                 <a:defRPr/>
               </a:pPr>
-              <a:t>05/05/2012</a:t>
+              <a:t>24/09/2012</a:t>
             </a:fld>
             <a:endParaRPr lang="pt-BR"/>
           </a:p>
@@ -447,7 +447,7 @@
               <a:pPr>
                 <a:defRPr/>
               </a:pPr>
-              <a:t>‹nº›</a:t>
+              <a:t>‹#›</a:t>
             </a:fld>
             <a:endParaRPr lang="pt-BR"/>
           </a:p>
@@ -2366,7 +2366,7 @@
               <a:pPr>
                 <a:defRPr/>
               </a:pPr>
-              <a:t>05/05/2012</a:t>
+              <a:t>24/09/2012</a:t>
             </a:fld>
             <a:endParaRPr lang="pt-BR"/>
           </a:p>
@@ -2425,7 +2425,7 @@
               <a:pPr>
                 <a:defRPr/>
               </a:pPr>
-              <a:t>‹nº›</a:t>
+              <a:t>‹#›</a:t>
             </a:fld>
             <a:endParaRPr lang="pt-BR"/>
           </a:p>
@@ -2558,7 +2558,7 @@
               <a:pPr>
                 <a:defRPr/>
               </a:pPr>
-              <a:t>05/05/2012</a:t>
+              <a:t>24/09/2012</a:t>
             </a:fld>
             <a:endParaRPr lang="pt-BR"/>
           </a:p>
@@ -2617,7 +2617,7 @@
               <a:pPr>
                 <a:defRPr/>
               </a:pPr>
-              <a:t>‹nº›</a:t>
+              <a:t>‹#›</a:t>
             </a:fld>
             <a:endParaRPr lang="pt-BR"/>
           </a:p>
@@ -2760,7 +2760,7 @@
               <a:pPr>
                 <a:defRPr/>
               </a:pPr>
-              <a:t>05/05/2012</a:t>
+              <a:t>24/09/2012</a:t>
             </a:fld>
             <a:endParaRPr lang="pt-BR"/>
           </a:p>
@@ -2819,7 +2819,7 @@
               <a:pPr>
                 <a:defRPr/>
               </a:pPr>
-              <a:t>‹nº›</a:t>
+              <a:t>‹#›</a:t>
             </a:fld>
             <a:endParaRPr lang="pt-BR"/>
           </a:p>
@@ -2860,7 +2860,12 @@
             <p:ph type="title"/>
           </p:nvPr>
         </p:nvSpPr>
-        <p:spPr/>
+        <p:spPr>
+          <a:xfrm>
+            <a:off x="457200" y="274638"/>
+            <a:ext cx="8329642" cy="1143000"/>
+          </a:xfrm>
+        </p:spPr>
         <p:txBody>
           <a:bodyPr/>
           <a:lstStyle>
@@ -2870,10 +2875,10 @@
           </a:lstStyle>
           <a:p>
             <a:r>
-              <a:rPr lang="pt-BR" smtClean="0"/>
+              <a:rPr lang="pt-BR" dirty="0" smtClean="0"/>
               <a:t>Clique para editar o estilo do título mestre</a:t>
             </a:r>
-            <a:endParaRPr lang="en-US"/>
+            <a:endParaRPr lang="en-US" dirty="0"/>
           </a:p>
         </p:txBody>
       </p:sp>
@@ -2956,7 +2961,7 @@
               <a:pPr>
                 <a:defRPr/>
               </a:pPr>
-              <a:t>05/05/2012</a:t>
+              <a:t>24/09/2012</a:t>
             </a:fld>
             <a:endParaRPr lang="pt-BR"/>
           </a:p>
@@ -3015,7 +3020,7 @@
               <a:pPr>
                 <a:defRPr/>
               </a:pPr>
-              <a:t>‹nº›</a:t>
+              <a:t>‹#›</a:t>
             </a:fld>
             <a:endParaRPr lang="pt-BR"/>
           </a:p>
@@ -3462,7 +3467,7 @@
               <a:pPr>
                 <a:defRPr/>
               </a:pPr>
-              <a:t>05/05/2012</a:t>
+              <a:t>24/09/2012</a:t>
             </a:fld>
             <a:endParaRPr lang="pt-BR"/>
           </a:p>
@@ -3521,7 +3526,7 @@
               <a:pPr>
                 <a:defRPr/>
               </a:pPr>
-              <a:t>‹nº›</a:t>
+              <a:t>‹#›</a:t>
             </a:fld>
             <a:endParaRPr lang="pt-BR"/>
           </a:p>
@@ -3753,7 +3758,7 @@
               <a:pPr>
                 <a:defRPr/>
               </a:pPr>
-              <a:t>05/05/2012</a:t>
+              <a:t>24/09/2012</a:t>
             </a:fld>
             <a:endParaRPr lang="pt-BR"/>
           </a:p>
@@ -3812,7 +3817,7 @@
               <a:pPr>
                 <a:defRPr/>
               </a:pPr>
-              <a:t>‹nº›</a:t>
+              <a:t>‹#›</a:t>
             </a:fld>
             <a:endParaRPr lang="pt-BR"/>
           </a:p>
@@ -4154,7 +4159,7 @@
               <a:pPr>
                 <a:defRPr/>
               </a:pPr>
-              <a:t>05/05/2012</a:t>
+              <a:t>24/09/2012</a:t>
             </a:fld>
             <a:endParaRPr lang="pt-BR"/>
           </a:p>
@@ -4213,7 +4218,7 @@
               <a:pPr>
                 <a:defRPr/>
               </a:pPr>
-              <a:t>‹nº›</a:t>
+              <a:t>‹#›</a:t>
             </a:fld>
             <a:endParaRPr lang="pt-BR"/>
           </a:p>
@@ -4303,7 +4308,7 @@
               <a:pPr>
                 <a:defRPr/>
               </a:pPr>
-              <a:t>05/05/2012</a:t>
+              <a:t>24/09/2012</a:t>
             </a:fld>
             <a:endParaRPr lang="pt-BR"/>
           </a:p>
@@ -4362,7 +4367,7 @@
               <a:pPr>
                 <a:defRPr/>
               </a:pPr>
-              <a:t>‹nº›</a:t>
+              <a:t>‹#›</a:t>
             </a:fld>
             <a:endParaRPr lang="pt-BR"/>
           </a:p>
@@ -4420,7 +4425,7 @@
               <a:pPr>
                 <a:defRPr/>
               </a:pPr>
-              <a:t>05/05/2012</a:t>
+              <a:t>24/09/2012</a:t>
             </a:fld>
             <a:endParaRPr lang="pt-BR"/>
           </a:p>
@@ -4479,7 +4484,7 @@
               <a:pPr>
                 <a:defRPr/>
               </a:pPr>
-              <a:t>‹nº›</a:t>
+              <a:t>‹#›</a:t>
             </a:fld>
             <a:endParaRPr lang="pt-BR"/>
           </a:p>
@@ -4696,7 +4701,7 @@
               <a:pPr>
                 <a:defRPr/>
               </a:pPr>
-              <a:t>05/05/2012</a:t>
+              <a:t>24/09/2012</a:t>
             </a:fld>
             <a:endParaRPr lang="pt-BR"/>
           </a:p>
@@ -4760,7 +4765,7 @@
               <a:pPr>
                 <a:defRPr/>
               </a:pPr>
-              <a:t>‹nº›</a:t>
+              <a:t>‹#›</a:t>
             </a:fld>
             <a:endParaRPr lang="pt-BR"/>
           </a:p>
@@ -4980,7 +4985,7 @@
               <a:pPr>
                 <a:defRPr/>
               </a:pPr>
-              <a:t>05/05/2012</a:t>
+              <a:t>24/09/2012</a:t>
             </a:fld>
             <a:endParaRPr lang="pt-BR"/>
           </a:p>
@@ -5039,7 +5044,7 @@
               <a:pPr>
                 <a:defRPr/>
               </a:pPr>
-              <a:t>‹nº›</a:t>
+              <a:t>‹#›</a:t>
             </a:fld>
             <a:endParaRPr lang="pt-BR"/>
           </a:p>
@@ -5458,7 +5463,7 @@
               <a:pPr>
                 <a:defRPr/>
               </a:pPr>
-              <a:t>05/05/2012</a:t>
+              <a:t>24/09/2012</a:t>
             </a:fld>
             <a:endParaRPr lang="pt-BR"/>
           </a:p>
@@ -5561,7 +5566,7 @@
               <a:pPr>
                 <a:defRPr/>
               </a:pPr>
-              <a:t>‹nº›</a:t>
+              <a:t>‹#›</a:t>
             </a:fld>
             <a:endParaRPr lang="pt-BR"/>
           </a:p>
